--- a/MMAPS/presentation/Presentation.pptx
+++ b/MMAPS/presentation/Presentation.pptx
@@ -5,13 +5,21 @@
     <p:sldMasterId id="2147483672" r:id="rId1"/>
   </p:sldMasterIdLst>
   <p:notesMasterIdLst>
-    <p:notesMasterId r:id="rId6"/>
+    <p:notesMasterId r:id="rId14"/>
   </p:notesMasterIdLst>
   <p:sldIdLst>
     <p:sldId id="256" r:id="rId2"/>
     <p:sldId id="257" r:id="rId3"/>
     <p:sldId id="267" r:id="rId4"/>
-    <p:sldId id="258" r:id="rId5"/>
+    <p:sldId id="259" r:id="rId5"/>
+    <p:sldId id="260" r:id="rId6"/>
+    <p:sldId id="261" r:id="rId7"/>
+    <p:sldId id="265" r:id="rId8"/>
+    <p:sldId id="262" r:id="rId9"/>
+    <p:sldId id="266" r:id="rId10"/>
+    <p:sldId id="263" r:id="rId11"/>
+    <p:sldId id="264" r:id="rId12"/>
+    <p:sldId id="258" r:id="rId13"/>
   </p:sldIdLst>
   <p:sldSz cx="12192000" cy="6858000"/>
   <p:notesSz cx="6858000" cy="9144000"/>
@@ -200,7 +208,7 @@
           <a:p>
             <a:fld id="{CE261DC0-3E59-4D78-BFDE-23F83FA3D313}" type="datetimeFigureOut">
               <a:rPr lang="en-US" smtClean="0"/>
-              <a:t>2/18/2024</a:t>
+              <a:t>3/16/2024</a:t>
             </a:fld>
             <a:endParaRPr lang="en-US"/>
           </a:p>
@@ -467,6 +475,1203 @@
 </p:notesMaster>
 </file>
 
+<file path=ppt/notesSlides/notesSlide1.xml><?xml version="1.0" encoding="utf-8"?>
+<p:notes xmlns:a="http://schemas.openxmlformats.org/drawingml/2006/main" xmlns:r="http://schemas.openxmlformats.org/officeDocument/2006/relationships" xmlns:p="http://schemas.openxmlformats.org/presentationml/2006/main">
+  <p:cSld>
+    <p:spTree>
+      <p:nvGrpSpPr>
+        <p:cNvPr id="1" name=""/>
+        <p:cNvGrpSpPr/>
+        <p:nvPr/>
+      </p:nvGrpSpPr>
+      <p:grpSpPr>
+        <a:xfrm>
+          <a:off x="0" y="0"/>
+          <a:ext cx="0" cy="0"/>
+          <a:chOff x="0" y="0"/>
+          <a:chExt cx="0" cy="0"/>
+        </a:xfrm>
+      </p:grpSpPr>
+      <p:sp>
+        <p:nvSpPr>
+          <p:cNvPr id="2" name="Образ слайда 1"/>
+          <p:cNvSpPr>
+            <a:spLocks noGrp="1" noRot="1" noChangeAspect="1"/>
+          </p:cNvSpPr>
+          <p:nvPr>
+            <p:ph type="sldImg"/>
+          </p:nvPr>
+        </p:nvSpPr>
+        <p:spPr/>
+      </p:sp>
+      <p:sp>
+        <p:nvSpPr>
+          <p:cNvPr id="3" name="Заметки 2"/>
+          <p:cNvSpPr>
+            <a:spLocks noGrp="1"/>
+          </p:cNvSpPr>
+          <p:nvPr>
+            <p:ph type="body" idx="1"/>
+          </p:nvPr>
+        </p:nvSpPr>
+        <p:spPr/>
+        <p:txBody>
+          <a:bodyPr/>
+          <a:lstStyle/>
+          <a:p>
+            <a:r>
+              <a:rPr lang="ru-RU" dirty="0"/>
+              <a:t>Читаю цель работы и перечисляю задачи</a:t>
+            </a:r>
+          </a:p>
+        </p:txBody>
+      </p:sp>
+      <p:sp>
+        <p:nvSpPr>
+          <p:cNvPr id="4" name="Номер слайда 3"/>
+          <p:cNvSpPr>
+            <a:spLocks noGrp="1"/>
+          </p:cNvSpPr>
+          <p:nvPr>
+            <p:ph type="sldNum" sz="quarter" idx="5"/>
+          </p:nvPr>
+        </p:nvSpPr>
+        <p:spPr/>
+        <p:txBody>
+          <a:bodyPr/>
+          <a:lstStyle/>
+          <a:p>
+            <a:fld id="{550725FE-333E-4D9A-ACC2-447EF0C31C19}" type="slidenum">
+              <a:rPr lang="en-US" smtClean="0"/>
+              <a:t>2</a:t>
+            </a:fld>
+            <a:endParaRPr lang="en-US"/>
+          </a:p>
+        </p:txBody>
+      </p:sp>
+    </p:spTree>
+    <p:extLst>
+      <p:ext uri="{BB962C8B-B14F-4D97-AF65-F5344CB8AC3E}">
+        <p14:creationId xmlns:p14="http://schemas.microsoft.com/office/powerpoint/2010/main" val="2872494595"/>
+      </p:ext>
+    </p:extLst>
+  </p:cSld>
+  <p:clrMapOvr>
+    <a:masterClrMapping/>
+  </p:clrMapOvr>
+</p:notes>
+</file>
+
+<file path=ppt/notesSlides/notesSlide10.xml><?xml version="1.0" encoding="utf-8"?>
+<p:notes xmlns:a="http://schemas.openxmlformats.org/drawingml/2006/main" xmlns:r="http://schemas.openxmlformats.org/officeDocument/2006/relationships" xmlns:p="http://schemas.openxmlformats.org/presentationml/2006/main">
+  <p:cSld>
+    <p:spTree>
+      <p:nvGrpSpPr>
+        <p:cNvPr id="1" name=""/>
+        <p:cNvGrpSpPr/>
+        <p:nvPr/>
+      </p:nvGrpSpPr>
+      <p:grpSpPr>
+        <a:xfrm>
+          <a:off x="0" y="0"/>
+          <a:ext cx="0" cy="0"/>
+          <a:chOff x="0" y="0"/>
+          <a:chExt cx="0" cy="0"/>
+        </a:xfrm>
+      </p:grpSpPr>
+      <p:sp>
+        <p:nvSpPr>
+          <p:cNvPr id="2" name="Образ слайда 1"/>
+          <p:cNvSpPr>
+            <a:spLocks noGrp="1" noRot="1" noChangeAspect="1"/>
+          </p:cNvSpPr>
+          <p:nvPr>
+            <p:ph type="sldImg"/>
+          </p:nvPr>
+        </p:nvSpPr>
+        <p:spPr/>
+      </p:sp>
+      <p:sp>
+        <p:nvSpPr>
+          <p:cNvPr id="3" name="Заметки 2"/>
+          <p:cNvSpPr>
+            <a:spLocks noGrp="1"/>
+          </p:cNvSpPr>
+          <p:nvPr>
+            <p:ph type="body" idx="1"/>
+          </p:nvPr>
+        </p:nvSpPr>
+        <p:spPr/>
+        <p:txBody>
+          <a:bodyPr/>
+          <a:lstStyle/>
+          <a:p>
+            <a:r>
+              <a:rPr lang="ru-RU"/>
+              <a:t>(Рассказываю</a:t>
+            </a:r>
+            <a:r>
+              <a:rPr lang="ru-RU" dirty="0"/>
+              <a:t>, что изображено </a:t>
+            </a:r>
+            <a:r>
+              <a:rPr lang="ru-RU"/>
+              <a:t>на слайде)</a:t>
+            </a:r>
+          </a:p>
+        </p:txBody>
+      </p:sp>
+      <p:sp>
+        <p:nvSpPr>
+          <p:cNvPr id="4" name="Номер слайда 3"/>
+          <p:cNvSpPr>
+            <a:spLocks noGrp="1"/>
+          </p:cNvSpPr>
+          <p:nvPr>
+            <p:ph type="sldNum" sz="quarter" idx="5"/>
+          </p:nvPr>
+        </p:nvSpPr>
+        <p:spPr/>
+        <p:txBody>
+          <a:bodyPr/>
+          <a:lstStyle/>
+          <a:p>
+            <a:fld id="{550725FE-333E-4D9A-ACC2-447EF0C31C19}" type="slidenum">
+              <a:rPr lang="en-US" smtClean="0"/>
+              <a:t>11</a:t>
+            </a:fld>
+            <a:endParaRPr lang="en-US"/>
+          </a:p>
+        </p:txBody>
+      </p:sp>
+    </p:spTree>
+    <p:extLst>
+      <p:ext uri="{BB962C8B-B14F-4D97-AF65-F5344CB8AC3E}">
+        <p14:creationId xmlns:p14="http://schemas.microsoft.com/office/powerpoint/2010/main" val="290670309"/>
+      </p:ext>
+    </p:extLst>
+  </p:cSld>
+  <p:clrMapOvr>
+    <a:masterClrMapping/>
+  </p:clrMapOvr>
+</p:notes>
+</file>
+
+<file path=ppt/notesSlides/notesSlide11.xml><?xml version="1.0" encoding="utf-8"?>
+<p:notes xmlns:a="http://schemas.openxmlformats.org/drawingml/2006/main" xmlns:r="http://schemas.openxmlformats.org/officeDocument/2006/relationships" xmlns:p="http://schemas.openxmlformats.org/presentationml/2006/main">
+  <p:cSld>
+    <p:spTree>
+      <p:nvGrpSpPr>
+        <p:cNvPr id="1" name=""/>
+        <p:cNvGrpSpPr/>
+        <p:nvPr/>
+      </p:nvGrpSpPr>
+      <p:grpSpPr>
+        <a:xfrm>
+          <a:off x="0" y="0"/>
+          <a:ext cx="0" cy="0"/>
+          <a:chOff x="0" y="0"/>
+          <a:chExt cx="0" cy="0"/>
+        </a:xfrm>
+      </p:grpSpPr>
+      <p:sp>
+        <p:nvSpPr>
+          <p:cNvPr id="2" name="Образ слайда 1"/>
+          <p:cNvSpPr>
+            <a:spLocks noGrp="1" noRot="1" noChangeAspect="1"/>
+          </p:cNvSpPr>
+          <p:nvPr>
+            <p:ph type="sldImg"/>
+          </p:nvPr>
+        </p:nvSpPr>
+        <p:spPr/>
+      </p:sp>
+      <p:sp>
+        <p:nvSpPr>
+          <p:cNvPr id="3" name="Заметки 2"/>
+          <p:cNvSpPr>
+            <a:spLocks noGrp="1"/>
+          </p:cNvSpPr>
+          <p:nvPr>
+            <p:ph type="body" idx="1"/>
+          </p:nvPr>
+        </p:nvSpPr>
+        <p:spPr/>
+        <p:txBody>
+          <a:bodyPr/>
+          <a:lstStyle/>
+          <a:p>
+            <a:r>
+              <a:rPr lang="ru-RU" dirty="0"/>
+              <a:t>Перечисляю пункты из заключения</a:t>
+            </a:r>
+          </a:p>
+        </p:txBody>
+      </p:sp>
+      <p:sp>
+        <p:nvSpPr>
+          <p:cNvPr id="4" name="Номер слайда 3"/>
+          <p:cNvSpPr>
+            <a:spLocks noGrp="1"/>
+          </p:cNvSpPr>
+          <p:nvPr>
+            <p:ph type="sldNum" sz="quarter" idx="5"/>
+          </p:nvPr>
+        </p:nvSpPr>
+        <p:spPr/>
+        <p:txBody>
+          <a:bodyPr/>
+          <a:lstStyle/>
+          <a:p>
+            <a:fld id="{550725FE-333E-4D9A-ACC2-447EF0C31C19}" type="slidenum">
+              <a:rPr lang="en-US" smtClean="0"/>
+              <a:t>12</a:t>
+            </a:fld>
+            <a:endParaRPr lang="en-US"/>
+          </a:p>
+        </p:txBody>
+      </p:sp>
+    </p:spTree>
+    <p:extLst>
+      <p:ext uri="{BB962C8B-B14F-4D97-AF65-F5344CB8AC3E}">
+        <p14:creationId xmlns:p14="http://schemas.microsoft.com/office/powerpoint/2010/main" val="3985047528"/>
+      </p:ext>
+    </p:extLst>
+  </p:cSld>
+  <p:clrMapOvr>
+    <a:masterClrMapping/>
+  </p:clrMapOvr>
+</p:notes>
+</file>
+
+<file path=ppt/notesSlides/notesSlide2.xml><?xml version="1.0" encoding="utf-8"?>
+<p:notes xmlns:a="http://schemas.openxmlformats.org/drawingml/2006/main" xmlns:r="http://schemas.openxmlformats.org/officeDocument/2006/relationships" xmlns:p="http://schemas.openxmlformats.org/presentationml/2006/main">
+  <p:cSld>
+    <p:spTree>
+      <p:nvGrpSpPr>
+        <p:cNvPr id="1" name=""/>
+        <p:cNvGrpSpPr/>
+        <p:nvPr/>
+      </p:nvGrpSpPr>
+      <p:grpSpPr>
+        <a:xfrm>
+          <a:off x="0" y="0"/>
+          <a:ext cx="0" cy="0"/>
+          <a:chOff x="0" y="0"/>
+          <a:chExt cx="0" cy="0"/>
+        </a:xfrm>
+      </p:grpSpPr>
+      <p:sp>
+        <p:nvSpPr>
+          <p:cNvPr id="2" name="Образ слайда 1"/>
+          <p:cNvSpPr>
+            <a:spLocks noGrp="1" noRot="1" noChangeAspect="1"/>
+          </p:cNvSpPr>
+          <p:nvPr>
+            <p:ph type="sldImg"/>
+          </p:nvPr>
+        </p:nvSpPr>
+        <p:spPr/>
+      </p:sp>
+      <p:sp>
+        <p:nvSpPr>
+          <p:cNvPr id="3" name="Заметки 2"/>
+          <p:cNvSpPr>
+            <a:spLocks noGrp="1"/>
+          </p:cNvSpPr>
+          <p:nvPr>
+            <p:ph type="body" idx="1"/>
+          </p:nvPr>
+        </p:nvSpPr>
+        <p:spPr/>
+        <p:txBody>
+          <a:bodyPr/>
+          <a:lstStyle/>
+          <a:p>
+            <a:r>
+              <a:rPr lang="ru-RU" dirty="0"/>
+              <a:t>Перечисляю пункты</a:t>
+            </a:r>
+          </a:p>
+        </p:txBody>
+      </p:sp>
+      <p:sp>
+        <p:nvSpPr>
+          <p:cNvPr id="4" name="Номер слайда 3"/>
+          <p:cNvSpPr>
+            <a:spLocks noGrp="1"/>
+          </p:cNvSpPr>
+          <p:nvPr>
+            <p:ph type="sldNum" sz="quarter" idx="5"/>
+          </p:nvPr>
+        </p:nvSpPr>
+        <p:spPr/>
+        <p:txBody>
+          <a:bodyPr/>
+          <a:lstStyle/>
+          <a:p>
+            <a:fld id="{550725FE-333E-4D9A-ACC2-447EF0C31C19}" type="slidenum">
+              <a:rPr lang="en-US" smtClean="0"/>
+              <a:t>3</a:t>
+            </a:fld>
+            <a:endParaRPr lang="en-US"/>
+          </a:p>
+        </p:txBody>
+      </p:sp>
+    </p:spTree>
+    <p:extLst>
+      <p:ext uri="{BB962C8B-B14F-4D97-AF65-F5344CB8AC3E}">
+        <p14:creationId xmlns:p14="http://schemas.microsoft.com/office/powerpoint/2010/main" val="882783497"/>
+      </p:ext>
+    </p:extLst>
+  </p:cSld>
+  <p:clrMapOvr>
+    <a:masterClrMapping/>
+  </p:clrMapOvr>
+</p:notes>
+</file>
+
+<file path=ppt/notesSlides/notesSlide3.xml><?xml version="1.0" encoding="utf-8"?>
+<p:notes xmlns:a="http://schemas.openxmlformats.org/drawingml/2006/main" xmlns:r="http://schemas.openxmlformats.org/officeDocument/2006/relationships" xmlns:p="http://schemas.openxmlformats.org/presentationml/2006/main">
+  <p:cSld>
+    <p:spTree>
+      <p:nvGrpSpPr>
+        <p:cNvPr id="1" name=""/>
+        <p:cNvGrpSpPr/>
+        <p:nvPr/>
+      </p:nvGrpSpPr>
+      <p:grpSpPr>
+        <a:xfrm>
+          <a:off x="0" y="0"/>
+          <a:ext cx="0" cy="0"/>
+          <a:chOff x="0" y="0"/>
+          <a:chExt cx="0" cy="0"/>
+        </a:xfrm>
+      </p:grpSpPr>
+      <p:sp>
+        <p:nvSpPr>
+          <p:cNvPr id="2" name="Образ слайда 1"/>
+          <p:cNvSpPr>
+            <a:spLocks noGrp="1" noRot="1" noChangeAspect="1"/>
+          </p:cNvSpPr>
+          <p:nvPr>
+            <p:ph type="sldImg"/>
+          </p:nvPr>
+        </p:nvSpPr>
+        <p:spPr/>
+      </p:sp>
+      <p:sp>
+        <p:nvSpPr>
+          <p:cNvPr id="3" name="Заметки 2"/>
+          <p:cNvSpPr>
+            <a:spLocks noGrp="1"/>
+          </p:cNvSpPr>
+          <p:nvPr>
+            <p:ph type="body" idx="1"/>
+          </p:nvPr>
+        </p:nvSpPr>
+        <p:spPr/>
+        <p:txBody>
+          <a:bodyPr/>
+          <a:lstStyle/>
+          <a:p>
+            <a:r>
+              <a:rPr lang="ru-RU" dirty="0"/>
+              <a:t>Данная работа начинается с изучения устройства самой сверточной нейронной сети</a:t>
+            </a:r>
+            <a:r>
+              <a:rPr lang="en-US" dirty="0"/>
+              <a:t> </a:t>
+            </a:r>
+            <a:r>
+              <a:rPr lang="ru-RU" dirty="0"/>
+              <a:t>(</a:t>
+            </a:r>
+            <a:r>
+              <a:rPr lang="en-US" dirty="0"/>
+              <a:t>CNN</a:t>
+            </a:r>
+            <a:r>
+              <a:rPr lang="ru-RU" dirty="0"/>
+              <a:t>)</a:t>
+            </a:r>
+            <a:r>
+              <a:rPr lang="en-US" dirty="0"/>
+              <a:t>. </a:t>
+            </a:r>
+            <a:r>
+              <a:rPr lang="ru-RU" dirty="0"/>
+              <a:t>Что такое </a:t>
+            </a:r>
+            <a:r>
+              <a:rPr lang="en-US" dirty="0"/>
+              <a:t>CNN? CNN - </a:t>
+            </a:r>
+            <a:r>
+              <a:rPr lang="ru-RU" sz="1800" dirty="0">
+                <a:effectLst/>
+                <a:latin typeface="Times New Roman" panose="02020603050405020304" pitchFamily="18" charset="0"/>
+                <a:ea typeface="Calibri" panose="020F0502020204030204" pitchFamily="34" charset="0"/>
+              </a:rPr>
+              <a:t>специальная архитектура искусственных нейронных сетей, которая может принимать на вход изображение (матрицу данных), присваивать важность (изучаемые веса и смещения) аспектам или объектам изображения (матрицы) и отличать одно от другого.  Давайте рассмотрим архитектуру </a:t>
+            </a:r>
+            <a:r>
+              <a:rPr lang="en-US" sz="1800" dirty="0">
+                <a:effectLst/>
+                <a:latin typeface="Times New Roman" panose="02020603050405020304" pitchFamily="18" charset="0"/>
+                <a:ea typeface="Calibri" panose="020F0502020204030204" pitchFamily="34" charset="0"/>
+              </a:rPr>
+              <a:t>CNN </a:t>
+            </a:r>
+            <a:r>
+              <a:rPr lang="ru-RU" sz="1800" dirty="0">
+                <a:effectLst/>
+                <a:latin typeface="Times New Roman" panose="02020603050405020304" pitchFamily="18" charset="0"/>
+                <a:ea typeface="Calibri" panose="020F0502020204030204" pitchFamily="34" charset="0"/>
+              </a:rPr>
+              <a:t>по-блочно. В ней присутствуют некие блоки свертки, макспулинга и полносвязные нейроны (показываю на слайде) . Начнем с блока самой «свертки».</a:t>
+            </a:r>
+            <a:endParaRPr lang="ru-RU" dirty="0"/>
+          </a:p>
+        </p:txBody>
+      </p:sp>
+      <p:sp>
+        <p:nvSpPr>
+          <p:cNvPr id="4" name="Номер слайда 3"/>
+          <p:cNvSpPr>
+            <a:spLocks noGrp="1"/>
+          </p:cNvSpPr>
+          <p:nvPr>
+            <p:ph type="sldNum" sz="quarter" idx="5"/>
+          </p:nvPr>
+        </p:nvSpPr>
+        <p:spPr/>
+        <p:txBody>
+          <a:bodyPr/>
+          <a:lstStyle/>
+          <a:p>
+            <a:fld id="{550725FE-333E-4D9A-ACC2-447EF0C31C19}" type="slidenum">
+              <a:rPr lang="en-US" smtClean="0"/>
+              <a:t>4</a:t>
+            </a:fld>
+            <a:endParaRPr lang="en-US"/>
+          </a:p>
+        </p:txBody>
+      </p:sp>
+    </p:spTree>
+    <p:extLst>
+      <p:ext uri="{BB962C8B-B14F-4D97-AF65-F5344CB8AC3E}">
+        <p14:creationId xmlns:p14="http://schemas.microsoft.com/office/powerpoint/2010/main" val="2075059584"/>
+      </p:ext>
+    </p:extLst>
+  </p:cSld>
+  <p:clrMapOvr>
+    <a:masterClrMapping/>
+  </p:clrMapOvr>
+</p:notes>
+</file>
+
+<file path=ppt/notesSlides/notesSlide4.xml><?xml version="1.0" encoding="utf-8"?>
+<p:notes xmlns:a="http://schemas.openxmlformats.org/drawingml/2006/main" xmlns:r="http://schemas.openxmlformats.org/officeDocument/2006/relationships" xmlns:p="http://schemas.openxmlformats.org/presentationml/2006/main">
+  <p:cSld>
+    <p:spTree>
+      <p:nvGrpSpPr>
+        <p:cNvPr id="1" name=""/>
+        <p:cNvGrpSpPr/>
+        <p:nvPr/>
+      </p:nvGrpSpPr>
+      <p:grpSpPr>
+        <a:xfrm>
+          <a:off x="0" y="0"/>
+          <a:ext cx="0" cy="0"/>
+          <a:chOff x="0" y="0"/>
+          <a:chExt cx="0" cy="0"/>
+        </a:xfrm>
+      </p:grpSpPr>
+      <p:sp>
+        <p:nvSpPr>
+          <p:cNvPr id="2" name="Образ слайда 1"/>
+          <p:cNvSpPr>
+            <a:spLocks noGrp="1" noRot="1" noChangeAspect="1"/>
+          </p:cNvSpPr>
+          <p:nvPr>
+            <p:ph type="sldImg"/>
+          </p:nvPr>
+        </p:nvSpPr>
+        <p:spPr/>
+      </p:sp>
+      <p:sp>
+        <p:nvSpPr>
+          <p:cNvPr id="3" name="Заметки 2"/>
+          <p:cNvSpPr>
+            <a:spLocks noGrp="1"/>
+          </p:cNvSpPr>
+          <p:nvPr>
+            <p:ph type="body" idx="1"/>
+          </p:nvPr>
+        </p:nvSpPr>
+        <p:spPr/>
+        <p:txBody>
+          <a:bodyPr/>
+          <a:lstStyle/>
+          <a:p>
+            <a:r>
+              <a:rPr lang="ru-RU" dirty="0"/>
+              <a:t>Но перед тем, как разобраться, что такое свертки, нужно понять, как компьютер «видит» какое-то изображение. </a:t>
+            </a:r>
+            <a:r>
+              <a:rPr lang="ru-RU" sz="1800" dirty="0">
+                <a:effectLst/>
+                <a:latin typeface="Times New Roman" panose="02020603050405020304" pitchFamily="18" charset="0"/>
+                <a:ea typeface="Calibri" panose="020F0502020204030204" pitchFamily="34" charset="0"/>
+              </a:rPr>
+              <a:t>Изображения в компьютере представляются в виде пикселей, а каждый пиксель – это значения интенсивности соответствующих цветовых каналов. При этом интенсивность каждого из каналов описывается целым числом от 0 до 255. (Показываю всё это на слайде).  Удобнее всего хранить информацию о интенсивности пикселей в тензоре – массиве матриц чисел. Например, если фото ЧБ, как восьмерка в примере, то можно хранить вот в таком массиве (показываю на слайде).</a:t>
+            </a:r>
+            <a:endParaRPr lang="ru-RU" dirty="0"/>
+          </a:p>
+        </p:txBody>
+      </p:sp>
+      <p:sp>
+        <p:nvSpPr>
+          <p:cNvPr id="4" name="Номер слайда 3"/>
+          <p:cNvSpPr>
+            <a:spLocks noGrp="1"/>
+          </p:cNvSpPr>
+          <p:nvPr>
+            <p:ph type="sldNum" sz="quarter" idx="5"/>
+          </p:nvPr>
+        </p:nvSpPr>
+        <p:spPr/>
+        <p:txBody>
+          <a:bodyPr/>
+          <a:lstStyle/>
+          <a:p>
+            <a:fld id="{550725FE-333E-4D9A-ACC2-447EF0C31C19}" type="slidenum">
+              <a:rPr lang="en-US" smtClean="0"/>
+              <a:t>5</a:t>
+            </a:fld>
+            <a:endParaRPr lang="en-US"/>
+          </a:p>
+        </p:txBody>
+      </p:sp>
+    </p:spTree>
+    <p:extLst>
+      <p:ext uri="{BB962C8B-B14F-4D97-AF65-F5344CB8AC3E}">
+        <p14:creationId xmlns:p14="http://schemas.microsoft.com/office/powerpoint/2010/main" val="2258756800"/>
+      </p:ext>
+    </p:extLst>
+  </p:cSld>
+  <p:clrMapOvr>
+    <a:masterClrMapping/>
+  </p:clrMapOvr>
+</p:notes>
+</file>
+
+<file path=ppt/notesSlides/notesSlide5.xml><?xml version="1.0" encoding="utf-8"?>
+<p:notes xmlns:a="http://schemas.openxmlformats.org/drawingml/2006/main" xmlns:r="http://schemas.openxmlformats.org/officeDocument/2006/relationships" xmlns:p="http://schemas.openxmlformats.org/presentationml/2006/main">
+  <p:cSld>
+    <p:spTree>
+      <p:nvGrpSpPr>
+        <p:cNvPr id="1" name=""/>
+        <p:cNvGrpSpPr/>
+        <p:nvPr/>
+      </p:nvGrpSpPr>
+      <p:grpSpPr>
+        <a:xfrm>
+          <a:off x="0" y="0"/>
+          <a:ext cx="0" cy="0"/>
+          <a:chOff x="0" y="0"/>
+          <a:chExt cx="0" cy="0"/>
+        </a:xfrm>
+      </p:grpSpPr>
+      <p:sp>
+        <p:nvSpPr>
+          <p:cNvPr id="2" name="Slide Image Placeholder 1"/>
+          <p:cNvSpPr>
+            <a:spLocks noGrp="1" noRot="1" noChangeAspect="1"/>
+          </p:cNvSpPr>
+          <p:nvPr>
+            <p:ph type="sldImg"/>
+          </p:nvPr>
+        </p:nvSpPr>
+        <p:spPr/>
+      </p:sp>
+      <p:sp>
+        <p:nvSpPr>
+          <p:cNvPr id="3" name="Notes Placeholder 2"/>
+          <p:cNvSpPr>
+            <a:spLocks noGrp="1"/>
+          </p:cNvSpPr>
+          <p:nvPr>
+            <p:ph type="body" idx="1"/>
+          </p:nvPr>
+        </p:nvSpPr>
+        <p:spPr/>
+        <p:txBody>
+          <a:bodyPr/>
+          <a:lstStyle/>
+          <a:p>
+            <a:pPr marL="0" marR="0" lvl="0" indent="0" algn="l" defTabSz="914400" rtl="0" eaLnBrk="1" fontAlgn="auto" latinLnBrk="0" hangingPunct="1">
+              <a:lnSpc>
+                <a:spcPct val="100000"/>
+              </a:lnSpc>
+              <a:spcBef>
+                <a:spcPts val="0"/>
+              </a:spcBef>
+              <a:spcAft>
+                <a:spcPts val="0"/>
+              </a:spcAft>
+              <a:buClrTx/>
+              <a:buSzTx/>
+              <a:buFontTx/>
+              <a:buNone/>
+              <a:tabLst/>
+              <a:defRPr/>
+            </a:pPr>
+            <a:r>
+              <a:rPr lang="ru-RU" dirty="0"/>
+              <a:t>Мы разобрались, как компьютер хранит изображение, теперь разберемся со сверткой. </a:t>
+            </a:r>
+            <a:r>
+              <a:rPr lang="ru-RU" sz="1800" dirty="0">
+                <a:effectLst/>
+                <a:latin typeface="Times New Roman" panose="02020603050405020304" pitchFamily="18" charset="0"/>
+                <a:ea typeface="Calibri" panose="020F0502020204030204" pitchFamily="34" charset="0"/>
+                <a:cs typeface="Times New Roman" panose="02020603050405020304" pitchFamily="18" charset="0"/>
+              </a:rPr>
+              <a:t>Слой свёртки, как можно догадаться по названию типа нейронной сети, является самым главным слоем сети. Его основное назначение – выделить признаки на входном изображении и сформировать карту признаков. Карта признаков – это всего лишь очередной тензор (массив матриц), в котором каждая матрица отвечает за какой-нибудь выделенный признак.</a:t>
+            </a:r>
+          </a:p>
+          <a:p>
+            <a:r>
+              <a:rPr lang="ru-RU" dirty="0"/>
+              <a:t>Допустим у нас есть фотография лица, после прогона ее через слой свертки одним из признаков у нас может быть границы лица или цвет глаз. Каждая такая свертка образуется поочередным наложением на изображение какого-то фильтра, </a:t>
+            </a:r>
+            <a:r>
+              <a:rPr lang="ru-RU" sz="1800" dirty="0">
+                <a:effectLst/>
+                <a:latin typeface="Times New Roman" panose="02020603050405020304" pitchFamily="18" charset="0"/>
+                <a:ea typeface="Calibri" panose="020F0502020204030204" pitchFamily="34" charset="0"/>
+              </a:rPr>
+              <a:t>начиная с левого верхнего угла и пока не дойдет до правого нижнего угла</a:t>
+            </a:r>
+            <a:r>
+              <a:rPr lang="ru-RU" dirty="0"/>
+              <a:t>. </a:t>
+            </a:r>
+            <a:r>
+              <a:rPr lang="ru-RU" sz="1800" dirty="0">
+                <a:effectLst/>
+                <a:latin typeface="Times New Roman" panose="02020603050405020304" pitchFamily="18" charset="0"/>
+                <a:ea typeface="Calibri" panose="020F0502020204030204" pitchFamily="34" charset="0"/>
+              </a:rPr>
+              <a:t>На каждом шаге числа в матрице фильтра перемножаются с соответствующими числами на изображении, полученные результаты складываются и записываются в матрицу признака. (Объясняю на примере со слайда). Со сверткой разобрались, перейдем к </a:t>
+            </a:r>
+            <a:r>
+              <a:rPr lang="ru-RU" sz="1800" dirty="0" err="1">
+                <a:effectLst/>
+                <a:latin typeface="Times New Roman" panose="02020603050405020304" pitchFamily="18" charset="0"/>
+                <a:ea typeface="Calibri" panose="020F0502020204030204" pitchFamily="34" charset="0"/>
+              </a:rPr>
+              <a:t>пулингу</a:t>
+            </a:r>
+            <a:r>
+              <a:rPr lang="ru-RU" sz="1800" dirty="0">
+                <a:effectLst/>
+                <a:latin typeface="Times New Roman" panose="02020603050405020304" pitchFamily="18" charset="0"/>
+                <a:ea typeface="Calibri" panose="020F0502020204030204" pitchFamily="34" charset="0"/>
+              </a:rPr>
+              <a:t>.</a:t>
+            </a:r>
+            <a:endParaRPr lang="en-US" dirty="0"/>
+          </a:p>
+        </p:txBody>
+      </p:sp>
+      <p:sp>
+        <p:nvSpPr>
+          <p:cNvPr id="4" name="Slide Number Placeholder 3"/>
+          <p:cNvSpPr>
+            <a:spLocks noGrp="1"/>
+          </p:cNvSpPr>
+          <p:nvPr>
+            <p:ph type="sldNum" sz="quarter" idx="5"/>
+          </p:nvPr>
+        </p:nvSpPr>
+        <p:spPr/>
+        <p:txBody>
+          <a:bodyPr/>
+          <a:lstStyle/>
+          <a:p>
+            <a:fld id="{550725FE-333E-4D9A-ACC2-447EF0C31C19}" type="slidenum">
+              <a:rPr lang="en-US" smtClean="0"/>
+              <a:t>6</a:t>
+            </a:fld>
+            <a:endParaRPr lang="en-US"/>
+          </a:p>
+        </p:txBody>
+      </p:sp>
+    </p:spTree>
+    <p:extLst>
+      <p:ext uri="{BB962C8B-B14F-4D97-AF65-F5344CB8AC3E}">
+        <p14:creationId xmlns:p14="http://schemas.microsoft.com/office/powerpoint/2010/main" val="1002927648"/>
+      </p:ext>
+    </p:extLst>
+  </p:cSld>
+  <p:clrMapOvr>
+    <a:masterClrMapping/>
+  </p:clrMapOvr>
+</p:notes>
+</file>
+
+<file path=ppt/notesSlides/notesSlide6.xml><?xml version="1.0" encoding="utf-8"?>
+<p:notes xmlns:a="http://schemas.openxmlformats.org/drawingml/2006/main" xmlns:r="http://schemas.openxmlformats.org/officeDocument/2006/relationships" xmlns:p="http://schemas.openxmlformats.org/presentationml/2006/main">
+  <p:cSld>
+    <p:spTree>
+      <p:nvGrpSpPr>
+        <p:cNvPr id="1" name=""/>
+        <p:cNvGrpSpPr/>
+        <p:nvPr/>
+      </p:nvGrpSpPr>
+      <p:grpSpPr>
+        <a:xfrm>
+          <a:off x="0" y="0"/>
+          <a:ext cx="0" cy="0"/>
+          <a:chOff x="0" y="0"/>
+          <a:chExt cx="0" cy="0"/>
+        </a:xfrm>
+      </p:grpSpPr>
+      <p:sp>
+        <p:nvSpPr>
+          <p:cNvPr id="2" name="Образ слайда 1"/>
+          <p:cNvSpPr>
+            <a:spLocks noGrp="1" noRot="1" noChangeAspect="1"/>
+          </p:cNvSpPr>
+          <p:nvPr>
+            <p:ph type="sldImg"/>
+          </p:nvPr>
+        </p:nvSpPr>
+        <p:spPr/>
+      </p:sp>
+      <p:sp>
+        <p:nvSpPr>
+          <p:cNvPr id="3" name="Заметки 2"/>
+          <p:cNvSpPr>
+            <a:spLocks noGrp="1"/>
+          </p:cNvSpPr>
+          <p:nvPr>
+            <p:ph type="body" idx="1"/>
+          </p:nvPr>
+        </p:nvSpPr>
+        <p:spPr/>
+        <p:txBody>
+          <a:bodyPr/>
+          <a:lstStyle/>
+          <a:p>
+            <a:pPr marL="0" marR="0" lvl="0" indent="0" algn="l" defTabSz="914400" rtl="0" eaLnBrk="1" fontAlgn="auto" latinLnBrk="0" hangingPunct="1">
+              <a:lnSpc>
+                <a:spcPct val="100000"/>
+              </a:lnSpc>
+              <a:spcBef>
+                <a:spcPts val="0"/>
+              </a:spcBef>
+              <a:spcAft>
+                <a:spcPts val="0"/>
+              </a:spcAft>
+              <a:buClrTx/>
+              <a:buSzTx/>
+              <a:buFontTx/>
+              <a:buNone/>
+              <a:tabLst/>
+              <a:defRPr/>
+            </a:pPr>
+            <a:r>
+              <a:rPr lang="ru-RU" sz="1800" dirty="0">
+                <a:effectLst/>
+                <a:latin typeface="Times New Roman" panose="02020603050405020304" pitchFamily="18" charset="0"/>
+                <a:ea typeface="Calibri" panose="020F0502020204030204" pitchFamily="34" charset="0"/>
+                <a:cs typeface="Times New Roman" panose="02020603050405020304" pitchFamily="18" charset="0"/>
+              </a:rPr>
+              <a:t>Так как сверточные НС используют так же и простую сеть прямого распространения, нам необходимо уменьшить кол-во выходных параметров из слоя свертки и при этом не потерять важную информацию. Для этого используют слои подвыборки. </a:t>
+            </a:r>
+            <a:r>
+              <a:rPr lang="ru-RU" sz="1800" dirty="0">
+                <a:effectLst/>
+                <a:latin typeface="Times New Roman" panose="02020603050405020304" pitchFamily="18" charset="0"/>
+                <a:ea typeface="Calibri" panose="020F0502020204030204" pitchFamily="34" charset="0"/>
+              </a:rPr>
+              <a:t>Данный слой позволяет уменьшить пространство признаков, сохраняя наиболее важную информацию. Существует несколько разных версий слоя пулинга, среди которых максимальный пулинг, средний пулинг и пулинг суммы. (объясняю как они работают).</a:t>
+            </a:r>
+            <a:endParaRPr lang="ru-RU" sz="1800" dirty="0">
+              <a:effectLst/>
+              <a:latin typeface="Times New Roman" panose="02020603050405020304" pitchFamily="18" charset="0"/>
+              <a:ea typeface="Calibri" panose="020F0502020204030204" pitchFamily="34" charset="0"/>
+              <a:cs typeface="Times New Roman" panose="02020603050405020304" pitchFamily="18" charset="0"/>
+            </a:endParaRPr>
+          </a:p>
+          <a:p>
+            <a:endParaRPr lang="ru-RU" dirty="0"/>
+          </a:p>
+        </p:txBody>
+      </p:sp>
+      <p:sp>
+        <p:nvSpPr>
+          <p:cNvPr id="4" name="Номер слайда 3"/>
+          <p:cNvSpPr>
+            <a:spLocks noGrp="1"/>
+          </p:cNvSpPr>
+          <p:nvPr>
+            <p:ph type="sldNum" sz="quarter" idx="5"/>
+          </p:nvPr>
+        </p:nvSpPr>
+        <p:spPr/>
+        <p:txBody>
+          <a:bodyPr/>
+          <a:lstStyle/>
+          <a:p>
+            <a:fld id="{550725FE-333E-4D9A-ACC2-447EF0C31C19}" type="slidenum">
+              <a:rPr lang="en-US" smtClean="0"/>
+              <a:t>7</a:t>
+            </a:fld>
+            <a:endParaRPr lang="en-US"/>
+          </a:p>
+        </p:txBody>
+      </p:sp>
+    </p:spTree>
+    <p:extLst>
+      <p:ext uri="{BB962C8B-B14F-4D97-AF65-F5344CB8AC3E}">
+        <p14:creationId xmlns:p14="http://schemas.microsoft.com/office/powerpoint/2010/main" val="2903094879"/>
+      </p:ext>
+    </p:extLst>
+  </p:cSld>
+  <p:clrMapOvr>
+    <a:masterClrMapping/>
+  </p:clrMapOvr>
+</p:notes>
+</file>
+
+<file path=ppt/notesSlides/notesSlide7.xml><?xml version="1.0" encoding="utf-8"?>
+<p:notes xmlns:a="http://schemas.openxmlformats.org/drawingml/2006/main" xmlns:r="http://schemas.openxmlformats.org/officeDocument/2006/relationships" xmlns:p="http://schemas.openxmlformats.org/presentationml/2006/main">
+  <p:cSld>
+    <p:spTree>
+      <p:nvGrpSpPr>
+        <p:cNvPr id="1" name=""/>
+        <p:cNvGrpSpPr/>
+        <p:nvPr/>
+      </p:nvGrpSpPr>
+      <p:grpSpPr>
+        <a:xfrm>
+          <a:off x="0" y="0"/>
+          <a:ext cx="0" cy="0"/>
+          <a:chOff x="0" y="0"/>
+          <a:chExt cx="0" cy="0"/>
+        </a:xfrm>
+      </p:grpSpPr>
+      <p:sp>
+        <p:nvSpPr>
+          <p:cNvPr id="2" name="Slide Image Placeholder 1"/>
+          <p:cNvSpPr>
+            <a:spLocks noGrp="1" noRot="1" noChangeAspect="1"/>
+          </p:cNvSpPr>
+          <p:nvPr>
+            <p:ph type="sldImg"/>
+          </p:nvPr>
+        </p:nvSpPr>
+        <p:spPr/>
+      </p:sp>
+      <p:sp>
+        <p:nvSpPr>
+          <p:cNvPr id="3" name="Notes Placeholder 2"/>
+          <p:cNvSpPr>
+            <a:spLocks noGrp="1"/>
+          </p:cNvSpPr>
+          <p:nvPr>
+            <p:ph type="body" idx="1"/>
+          </p:nvPr>
+        </p:nvSpPr>
+        <p:spPr/>
+        <p:txBody>
+          <a:bodyPr/>
+          <a:lstStyle/>
+          <a:p>
+            <a:r>
+              <a:rPr lang="ru-RU" dirty="0"/>
+              <a:t>Понимая как устроены основные блоки </a:t>
+            </a:r>
+            <a:r>
+              <a:rPr lang="en-US" dirty="0"/>
+              <a:t>CNN</a:t>
+            </a:r>
+            <a:r>
+              <a:rPr lang="ru-RU" dirty="0"/>
+              <a:t>, можно приступать к написанию своей собственной НС. Получившаяся архитектура представлена на слайде. </a:t>
+            </a:r>
+            <a:endParaRPr lang="en-US" dirty="0"/>
+          </a:p>
+        </p:txBody>
+      </p:sp>
+      <p:sp>
+        <p:nvSpPr>
+          <p:cNvPr id="4" name="Slide Number Placeholder 3"/>
+          <p:cNvSpPr>
+            <a:spLocks noGrp="1"/>
+          </p:cNvSpPr>
+          <p:nvPr>
+            <p:ph type="sldNum" sz="quarter" idx="5"/>
+          </p:nvPr>
+        </p:nvSpPr>
+        <p:spPr/>
+        <p:txBody>
+          <a:bodyPr/>
+          <a:lstStyle/>
+          <a:p>
+            <a:fld id="{550725FE-333E-4D9A-ACC2-447EF0C31C19}" type="slidenum">
+              <a:rPr lang="en-US" smtClean="0"/>
+              <a:t>8</a:t>
+            </a:fld>
+            <a:endParaRPr lang="en-US"/>
+          </a:p>
+        </p:txBody>
+      </p:sp>
+    </p:spTree>
+    <p:extLst>
+      <p:ext uri="{BB962C8B-B14F-4D97-AF65-F5344CB8AC3E}">
+        <p14:creationId xmlns:p14="http://schemas.microsoft.com/office/powerpoint/2010/main" val="1052320383"/>
+      </p:ext>
+    </p:extLst>
+  </p:cSld>
+  <p:clrMapOvr>
+    <a:masterClrMapping/>
+  </p:clrMapOvr>
+</p:notes>
+</file>
+
+<file path=ppt/notesSlides/notesSlide8.xml><?xml version="1.0" encoding="utf-8"?>
+<p:notes xmlns:a="http://schemas.openxmlformats.org/drawingml/2006/main" xmlns:r="http://schemas.openxmlformats.org/officeDocument/2006/relationships" xmlns:p="http://schemas.openxmlformats.org/presentationml/2006/main">
+  <p:cSld>
+    <p:spTree>
+      <p:nvGrpSpPr>
+        <p:cNvPr id="1" name=""/>
+        <p:cNvGrpSpPr/>
+        <p:nvPr/>
+      </p:nvGrpSpPr>
+      <p:grpSpPr>
+        <a:xfrm>
+          <a:off x="0" y="0"/>
+          <a:ext cx="0" cy="0"/>
+          <a:chOff x="0" y="0"/>
+          <a:chExt cx="0" cy="0"/>
+        </a:xfrm>
+      </p:grpSpPr>
+      <p:sp>
+        <p:nvSpPr>
+          <p:cNvPr id="2" name="Образ слайда 1"/>
+          <p:cNvSpPr>
+            <a:spLocks noGrp="1" noRot="1" noChangeAspect="1"/>
+          </p:cNvSpPr>
+          <p:nvPr>
+            <p:ph type="sldImg"/>
+          </p:nvPr>
+        </p:nvSpPr>
+        <p:spPr/>
+      </p:sp>
+      <p:sp>
+        <p:nvSpPr>
+          <p:cNvPr id="3" name="Заметки 2"/>
+          <p:cNvSpPr>
+            <a:spLocks noGrp="1"/>
+          </p:cNvSpPr>
+          <p:nvPr>
+            <p:ph type="body" idx="1"/>
+          </p:nvPr>
+        </p:nvSpPr>
+        <p:spPr/>
+        <p:txBody>
+          <a:bodyPr/>
+          <a:lstStyle/>
+          <a:p>
+            <a:pPr marL="0" marR="0" lvl="0" indent="0" algn="l" defTabSz="914400" rtl="0" eaLnBrk="1" fontAlgn="auto" latinLnBrk="0" hangingPunct="1">
+              <a:lnSpc>
+                <a:spcPct val="100000"/>
+              </a:lnSpc>
+              <a:spcBef>
+                <a:spcPts val="0"/>
+              </a:spcBef>
+              <a:spcAft>
+                <a:spcPts val="0"/>
+              </a:spcAft>
+              <a:buClrTx/>
+              <a:buSzTx/>
+              <a:buFontTx/>
+              <a:buNone/>
+              <a:tabLst/>
+              <a:defRPr/>
+            </a:pPr>
+            <a:r>
+              <a:rPr lang="ru-RU" dirty="0"/>
+              <a:t>После того, как мы написали нашу нейронную сеть, можно задуматься о написании датасета. Для нашей задачи подойдет модуль </a:t>
+            </a:r>
+            <a:r>
+              <a:rPr lang="en-US" dirty="0"/>
+              <a:t>yfinance. </a:t>
+            </a:r>
+            <a:r>
+              <a:rPr lang="ru-RU" dirty="0"/>
+              <a:t>С помощью него мы выгрузим данные по нужному нам тикеру за нужное количество дней и посчитаем показатель </a:t>
+            </a:r>
+            <a:r>
+              <a:rPr lang="en-US" dirty="0"/>
+              <a:t>EMA. </a:t>
+            </a:r>
+            <a:r>
+              <a:rPr lang="ru-RU" dirty="0"/>
+              <a:t>Получим датасет на 8 рисунке. </a:t>
+            </a:r>
+            <a:r>
+              <a:rPr lang="ru-RU" sz="1800" dirty="0">
+                <a:effectLst/>
+                <a:latin typeface="Times New Roman" panose="02020603050405020304" pitchFamily="18" charset="0"/>
+                <a:ea typeface="Calibri" panose="020F0502020204030204" pitchFamily="34" charset="0"/>
+                <a:cs typeface="Times New Roman" panose="02020603050405020304" pitchFamily="18" charset="0"/>
+              </a:rPr>
+              <a:t>Получив такую таблицу, можно приступать к заполнению колонок «Stop-Loss» и «Take-Profit». Данные колонки заполняются брокером от руки в зависимости от принятой им стратегии ведения торгов. После заполнения этих колонок, наша таблица будет готова.</a:t>
+            </a:r>
+          </a:p>
+          <a:p>
+            <a:endParaRPr lang="ru-RU" dirty="0"/>
+          </a:p>
+        </p:txBody>
+      </p:sp>
+      <p:sp>
+        <p:nvSpPr>
+          <p:cNvPr id="4" name="Номер слайда 3"/>
+          <p:cNvSpPr>
+            <a:spLocks noGrp="1"/>
+          </p:cNvSpPr>
+          <p:nvPr>
+            <p:ph type="sldNum" sz="quarter" idx="5"/>
+          </p:nvPr>
+        </p:nvSpPr>
+        <p:spPr/>
+        <p:txBody>
+          <a:bodyPr/>
+          <a:lstStyle/>
+          <a:p>
+            <a:fld id="{550725FE-333E-4D9A-ACC2-447EF0C31C19}" type="slidenum">
+              <a:rPr lang="en-US" smtClean="0"/>
+              <a:t>9</a:t>
+            </a:fld>
+            <a:endParaRPr lang="en-US"/>
+          </a:p>
+        </p:txBody>
+      </p:sp>
+    </p:spTree>
+    <p:extLst>
+      <p:ext uri="{BB962C8B-B14F-4D97-AF65-F5344CB8AC3E}">
+        <p14:creationId xmlns:p14="http://schemas.microsoft.com/office/powerpoint/2010/main" val="4127407253"/>
+      </p:ext>
+    </p:extLst>
+  </p:cSld>
+  <p:clrMapOvr>
+    <a:masterClrMapping/>
+  </p:clrMapOvr>
+</p:notes>
+</file>
+
+<file path=ppt/notesSlides/notesSlide9.xml><?xml version="1.0" encoding="utf-8"?>
+<p:notes xmlns:a="http://schemas.openxmlformats.org/drawingml/2006/main" xmlns:r="http://schemas.openxmlformats.org/officeDocument/2006/relationships" xmlns:p="http://schemas.openxmlformats.org/presentationml/2006/main">
+  <p:cSld>
+    <p:spTree>
+      <p:nvGrpSpPr>
+        <p:cNvPr id="1" name=""/>
+        <p:cNvGrpSpPr/>
+        <p:nvPr/>
+      </p:nvGrpSpPr>
+      <p:grpSpPr>
+        <a:xfrm>
+          <a:off x="0" y="0"/>
+          <a:ext cx="0" cy="0"/>
+          <a:chOff x="0" y="0"/>
+          <a:chExt cx="0" cy="0"/>
+        </a:xfrm>
+      </p:grpSpPr>
+      <p:sp>
+        <p:nvSpPr>
+          <p:cNvPr id="2" name="Образ слайда 1"/>
+          <p:cNvSpPr>
+            <a:spLocks noGrp="1" noRot="1" noChangeAspect="1"/>
+          </p:cNvSpPr>
+          <p:nvPr>
+            <p:ph type="sldImg"/>
+          </p:nvPr>
+        </p:nvSpPr>
+        <p:spPr/>
+      </p:sp>
+      <p:sp>
+        <p:nvSpPr>
+          <p:cNvPr id="3" name="Заметки 2"/>
+          <p:cNvSpPr>
+            <a:spLocks noGrp="1"/>
+          </p:cNvSpPr>
+          <p:nvPr>
+            <p:ph type="body" idx="1"/>
+          </p:nvPr>
+        </p:nvSpPr>
+        <p:spPr/>
+        <p:txBody>
+          <a:bodyPr/>
+          <a:lstStyle/>
+          <a:p>
+            <a:r>
+              <a:rPr lang="ru-RU" dirty="0"/>
+              <a:t>Наша НС и ДС готовы, значит можно начинать проводить тесты. Тестировать будем использую разные функции-потерь и сравнивая результаты </a:t>
+            </a:r>
+            <a:r>
+              <a:rPr lang="en-US" dirty="0"/>
+              <a:t>CNN </a:t>
+            </a:r>
+            <a:r>
+              <a:rPr lang="ru-RU" dirty="0"/>
+              <a:t>с результатами нейронной сети, разработанной в предыдущем семестре. (Показываю граф. Листы).</a:t>
+            </a:r>
+          </a:p>
+        </p:txBody>
+      </p:sp>
+      <p:sp>
+        <p:nvSpPr>
+          <p:cNvPr id="4" name="Номер слайда 3"/>
+          <p:cNvSpPr>
+            <a:spLocks noGrp="1"/>
+          </p:cNvSpPr>
+          <p:nvPr>
+            <p:ph type="sldNum" sz="quarter" idx="5"/>
+          </p:nvPr>
+        </p:nvSpPr>
+        <p:spPr/>
+        <p:txBody>
+          <a:bodyPr/>
+          <a:lstStyle/>
+          <a:p>
+            <a:fld id="{550725FE-333E-4D9A-ACC2-447EF0C31C19}" type="slidenum">
+              <a:rPr lang="en-US" smtClean="0"/>
+              <a:t>10</a:t>
+            </a:fld>
+            <a:endParaRPr lang="en-US"/>
+          </a:p>
+        </p:txBody>
+      </p:sp>
+    </p:spTree>
+    <p:extLst>
+      <p:ext uri="{BB962C8B-B14F-4D97-AF65-F5344CB8AC3E}">
+        <p14:creationId xmlns:p14="http://schemas.microsoft.com/office/powerpoint/2010/main" val="1041007987"/>
+      </p:ext>
+    </p:extLst>
+  </p:cSld>
+  <p:clrMapOvr>
+    <a:masterClrMapping/>
+  </p:clrMapOvr>
+</p:notes>
+</file>
+
 <file path=ppt/slideLayouts/slideLayout1.xml><?xml version="1.0" encoding="utf-8"?>
 <p:sldLayout xmlns:a="http://schemas.openxmlformats.org/drawingml/2006/main" xmlns:r="http://schemas.openxmlformats.org/officeDocument/2006/relationships" xmlns:p="http://schemas.openxmlformats.org/presentationml/2006/main" type="title" preserve="1">
   <p:cSld name="Title Slide">
@@ -598,7 +1803,7 @@
           <a:p>
             <a:fld id="{2B01CAC4-528A-4414-8A27-1213780EA050}" type="datetime1">
               <a:rPr lang="en-US" smtClean="0"/>
-              <a:t>2/18/2024</a:t>
+              <a:t>3/16/2024</a:t>
             </a:fld>
             <a:endParaRPr lang="en-US"/>
           </a:p>
@@ -768,7 +1973,7 @@
           <a:p>
             <a:fld id="{17A1696A-779A-42C8-AFBD-F5B4143016C1}" type="datetime1">
               <a:rPr lang="en-US" smtClean="0"/>
-              <a:t>2/18/2024</a:t>
+              <a:t>3/16/2024</a:t>
             </a:fld>
             <a:endParaRPr lang="en-US"/>
           </a:p>
@@ -948,7 +2153,7 @@
           <a:p>
             <a:fld id="{E4BF7AF2-AA5B-47D8-B8A2-4BFDF7886C11}" type="datetime1">
               <a:rPr lang="en-US" smtClean="0"/>
-              <a:t>2/18/2024</a:t>
+              <a:t>3/16/2024</a:t>
             </a:fld>
             <a:endParaRPr lang="en-US"/>
           </a:p>
@@ -1118,7 +2323,7 @@
           <a:p>
             <a:fld id="{B4659FDB-5BF0-4509-BFEC-1086405E20DE}" type="datetime1">
               <a:rPr lang="en-US" smtClean="0"/>
-              <a:t>2/18/2024</a:t>
+              <a:t>3/16/2024</a:t>
             </a:fld>
             <a:endParaRPr lang="en-US"/>
           </a:p>
@@ -1364,7 +2569,7 @@
           <a:p>
             <a:fld id="{E6C0984B-C3AB-4278-B306-1FFF30593214}" type="datetime1">
               <a:rPr lang="en-US" smtClean="0"/>
-              <a:t>2/18/2024</a:t>
+              <a:t>3/16/2024</a:t>
             </a:fld>
             <a:endParaRPr lang="en-US"/>
           </a:p>
@@ -1596,7 +2801,7 @@
           <a:p>
             <a:fld id="{198B1731-D7C5-47B4-868C-9357F9D920CC}" type="datetime1">
               <a:rPr lang="en-US" smtClean="0"/>
-              <a:t>2/18/2024</a:t>
+              <a:t>3/16/2024</a:t>
             </a:fld>
             <a:endParaRPr lang="en-US"/>
           </a:p>
@@ -1963,7 +3168,7 @@
           <a:p>
             <a:fld id="{38456ACD-4DA3-4651-9384-C75DCEE1823D}" type="datetime1">
               <a:rPr lang="en-US" smtClean="0"/>
-              <a:t>2/18/2024</a:t>
+              <a:t>3/16/2024</a:t>
             </a:fld>
             <a:endParaRPr lang="en-US"/>
           </a:p>
@@ -2081,7 +3286,7 @@
           <a:p>
             <a:fld id="{DAE4CC3C-B9BF-4B97-AF27-A7438653EABA}" type="datetime1">
               <a:rPr lang="en-US" smtClean="0"/>
-              <a:t>2/18/2024</a:t>
+              <a:t>3/16/2024</a:t>
             </a:fld>
             <a:endParaRPr lang="en-US"/>
           </a:p>
@@ -2176,7 +3381,7 @@
           <a:p>
             <a:fld id="{89EF7080-517F-45C4-B9B6-B675D1F45479}" type="datetime1">
               <a:rPr lang="en-US" smtClean="0"/>
-              <a:t>2/18/2024</a:t>
+              <a:t>3/16/2024</a:t>
             </a:fld>
             <a:endParaRPr lang="en-US"/>
           </a:p>
@@ -2453,7 +3658,7 @@
           <a:p>
             <a:fld id="{1E2B8658-DB36-4363-959D-6E40767D2C59}" type="datetime1">
               <a:rPr lang="en-US" smtClean="0"/>
-              <a:t>2/18/2024</a:t>
+              <a:t>3/16/2024</a:t>
             </a:fld>
             <a:endParaRPr lang="en-US"/>
           </a:p>
@@ -2710,7 +3915,7 @@
           <a:p>
             <a:fld id="{8A3D1BA5-7740-4B0E-A03B-9231910C495F}" type="datetime1">
               <a:rPr lang="en-US" smtClean="0"/>
-              <a:t>2/18/2024</a:t>
+              <a:t>3/16/2024</a:t>
             </a:fld>
             <a:endParaRPr lang="en-US"/>
           </a:p>
@@ -2923,7 +4128,7 @@
           <a:p>
             <a:fld id="{EA32DF4E-7FEC-4549-89D8-0C58CD43290C}" type="datetime1">
               <a:rPr lang="en-US" smtClean="0"/>
-              <a:t>2/18/2024</a:t>
+              <a:t>3/16/2024</a:t>
             </a:fld>
             <a:endParaRPr lang="en-US"/>
           </a:p>
@@ -3355,29 +4560,21 @@
         </p:nvSpPr>
         <p:spPr>
           <a:xfrm>
-            <a:off x="1524000" y="1645935"/>
-            <a:ext cx="9144000" cy="2387600"/>
+            <a:off x="576072" y="1122364"/>
+            <a:ext cx="11039856" cy="2387600"/>
           </a:xfrm>
         </p:spPr>
         <p:txBody>
           <a:bodyPr>
-            <a:normAutofit fontScale="90000"/>
+            <a:noAutofit/>
           </a:bodyPr>
           <a:lstStyle/>
           <a:p>
             <a:r>
-              <a:rPr lang="ru-RU" dirty="0"/>
-              <a:t>Изучение </a:t>
-            </a:r>
-            <a:r>
-              <a:rPr lang="ru-RU" dirty="0" err="1"/>
-              <a:t>сверточных</a:t>
-            </a:r>
-            <a:r>
-              <a:rPr lang="ru-RU" dirty="0"/>
-              <a:t> нейронных сетей для задач анализа биржи и стратегии торговли брокера </a:t>
-            </a:r>
-            <a:endParaRPr lang="en-US" b="1" dirty="0"/>
+              <a:rPr lang="ru-RU" sz="4400" dirty="0"/>
+              <a:t>Применение свёрточных нейронных сетей (CNN) для решения задач технического анализа при управлении активами на фондовом рынке</a:t>
+            </a:r>
+            <a:endParaRPr lang="en-US" sz="4400" b="1" dirty="0"/>
           </a:p>
         </p:txBody>
       </p:sp>
@@ -3490,6 +4687,696 @@
   <p:clrMapOvr>
     <a:masterClrMapping/>
   </p:clrMapOvr>
+  <p:transition spd="slow">
+    <p:push dir="u"/>
+  </p:transition>
+</p:sld>
+</file>
+
+<file path=ppt/slides/slide10.xml><?xml version="1.0" encoding="utf-8"?>
+<p:sld xmlns:a="http://schemas.openxmlformats.org/drawingml/2006/main" xmlns:r="http://schemas.openxmlformats.org/officeDocument/2006/relationships" xmlns:p="http://schemas.openxmlformats.org/presentationml/2006/main">
+  <p:cSld>
+    <p:spTree>
+      <p:nvGrpSpPr>
+        <p:cNvPr id="1" name=""/>
+        <p:cNvGrpSpPr/>
+        <p:nvPr/>
+      </p:nvGrpSpPr>
+      <p:grpSpPr>
+        <a:xfrm>
+          <a:off x="0" y="0"/>
+          <a:ext cx="0" cy="0"/>
+          <a:chOff x="0" y="0"/>
+          <a:chExt cx="0" cy="0"/>
+        </a:xfrm>
+      </p:grpSpPr>
+      <p:sp>
+        <p:nvSpPr>
+          <p:cNvPr id="2" name="Title 1">
+            <a:extLst>
+              <a:ext uri="{FF2B5EF4-FFF2-40B4-BE49-F238E27FC236}">
+                <a16:creationId xmlns:a16="http://schemas.microsoft.com/office/drawing/2014/main" id="{5B33C743-BB24-4010-9F79-D9DD3EEBABD1}"/>
+              </a:ext>
+            </a:extLst>
+          </p:cNvPr>
+          <p:cNvSpPr>
+            <a:spLocks noGrp="1"/>
+          </p:cNvSpPr>
+          <p:nvPr>
+            <p:ph type="title"/>
+          </p:nvPr>
+        </p:nvSpPr>
+        <p:spPr/>
+        <p:txBody>
+          <a:bodyPr/>
+          <a:lstStyle/>
+          <a:p>
+            <a:r>
+              <a:rPr lang="ru-RU" b="1" dirty="0"/>
+              <a:t>Проведение исследования</a:t>
+            </a:r>
+            <a:endParaRPr lang="en-US" b="1" dirty="0"/>
+          </a:p>
+        </p:txBody>
+      </p:sp>
+      <p:sp>
+        <p:nvSpPr>
+          <p:cNvPr id="8" name="Slide Number Placeholder 7">
+            <a:extLst>
+              <a:ext uri="{FF2B5EF4-FFF2-40B4-BE49-F238E27FC236}">
+                <a16:creationId xmlns:a16="http://schemas.microsoft.com/office/drawing/2014/main" id="{FDEA5F78-F3A9-4102-A0B0-A54DD6F022E4}"/>
+              </a:ext>
+            </a:extLst>
+          </p:cNvPr>
+          <p:cNvSpPr>
+            <a:spLocks noGrp="1"/>
+          </p:cNvSpPr>
+          <p:nvPr>
+            <p:ph type="sldNum" sz="quarter" idx="12"/>
+          </p:nvPr>
+        </p:nvSpPr>
+        <p:spPr/>
+        <p:txBody>
+          <a:bodyPr/>
+          <a:lstStyle/>
+          <a:p>
+            <a:fld id="{54320921-3B40-48F9-9480-72E41177CE63}" type="slidenum">
+              <a:rPr lang="en-US" sz="1800" smtClean="0"/>
+              <a:t>10</a:t>
+            </a:fld>
+            <a:r>
+              <a:rPr lang="en-US" sz="1800" dirty="0"/>
+              <a:t> / 12</a:t>
+            </a:r>
+          </a:p>
+        </p:txBody>
+      </p:sp>
+      <p:pic>
+        <p:nvPicPr>
+          <p:cNvPr id="9" name="Рисунок 8">
+            <a:extLst>
+              <a:ext uri="{FF2B5EF4-FFF2-40B4-BE49-F238E27FC236}">
+                <a16:creationId xmlns:a16="http://schemas.microsoft.com/office/drawing/2014/main" id="{7648EEED-CF47-BF33-58DF-48697BC5E1EE}"/>
+              </a:ext>
+            </a:extLst>
+          </p:cNvPr>
+          <p:cNvPicPr>
+            <a:picLocks noChangeAspect="1"/>
+          </p:cNvPicPr>
+          <p:nvPr/>
+        </p:nvPicPr>
+        <p:blipFill>
+          <a:blip r:embed="rId3">
+            <a:extLst>
+              <a:ext uri="{28A0092B-C50C-407E-A947-70E740481C1C}">
+                <a14:useLocalDpi xmlns:a14="http://schemas.microsoft.com/office/drawing/2010/main" val="0"/>
+              </a:ext>
+            </a:extLst>
+          </a:blip>
+          <a:srcRect/>
+          <a:stretch>
+            <a:fillRect/>
+          </a:stretch>
+        </p:blipFill>
+        <p:spPr bwMode="auto">
+          <a:xfrm>
+            <a:off x="691314" y="2251059"/>
+            <a:ext cx="5983418" cy="2706767"/>
+          </a:xfrm>
+          <a:prstGeom prst="rect">
+            <a:avLst/>
+          </a:prstGeom>
+          <a:noFill/>
+          <a:ln>
+            <a:noFill/>
+          </a:ln>
+        </p:spPr>
+      </p:pic>
+      <p:pic>
+        <p:nvPicPr>
+          <p:cNvPr id="10" name="Рисунок 9">
+            <a:extLst>
+              <a:ext uri="{FF2B5EF4-FFF2-40B4-BE49-F238E27FC236}">
+                <a16:creationId xmlns:a16="http://schemas.microsoft.com/office/drawing/2014/main" id="{1DF49761-849E-2EC9-C3CC-B4429EBF4E8E}"/>
+              </a:ext>
+            </a:extLst>
+          </p:cNvPr>
+          <p:cNvPicPr>
+            <a:picLocks noChangeAspect="1"/>
+          </p:cNvPicPr>
+          <p:nvPr/>
+        </p:nvPicPr>
+        <p:blipFill rotWithShape="1">
+          <a:blip r:embed="rId4">
+            <a:extLst>
+              <a:ext uri="{28A0092B-C50C-407E-A947-70E740481C1C}">
+                <a14:useLocalDpi xmlns:a14="http://schemas.microsoft.com/office/drawing/2010/main" val="0"/>
+              </a:ext>
+            </a:extLst>
+          </a:blip>
+          <a:srcRect l="11133" t="28504" r="20001" b="17004"/>
+          <a:stretch/>
+        </p:blipFill>
+        <p:spPr bwMode="auto">
+          <a:xfrm>
+            <a:off x="7573073" y="2720017"/>
+            <a:ext cx="3927613" cy="1080710"/>
+          </a:xfrm>
+          <a:prstGeom prst="rect">
+            <a:avLst/>
+          </a:prstGeom>
+          <a:noFill/>
+          <a:ln>
+            <a:noFill/>
+          </a:ln>
+          <a:extLst>
+            <a:ext uri="{53640926-AAD7-44D8-BBD7-CCE9431645EC}">
+              <a14:shadowObscured xmlns:a14="http://schemas.microsoft.com/office/drawing/2010/main"/>
+            </a:ext>
+          </a:extLst>
+        </p:spPr>
+      </p:pic>
+      <p:sp>
+        <p:nvSpPr>
+          <p:cNvPr id="14" name="TextBox 13">
+            <a:extLst>
+              <a:ext uri="{FF2B5EF4-FFF2-40B4-BE49-F238E27FC236}">
+                <a16:creationId xmlns:a16="http://schemas.microsoft.com/office/drawing/2014/main" id="{960DB934-033F-BBB1-EBD1-053F58A1BFB9}"/>
+              </a:ext>
+            </a:extLst>
+          </p:cNvPr>
+          <p:cNvSpPr txBox="1"/>
+          <p:nvPr/>
+        </p:nvSpPr>
+        <p:spPr>
+          <a:xfrm>
+            <a:off x="1597914" y="5034078"/>
+            <a:ext cx="6094476" cy="369332"/>
+          </a:xfrm>
+          <a:prstGeom prst="rect">
+            <a:avLst/>
+          </a:prstGeom>
+          <a:noFill/>
+        </p:spPr>
+        <p:txBody>
+          <a:bodyPr wrap="square">
+            <a:spAutoFit/>
+          </a:bodyPr>
+          <a:lstStyle/>
+          <a:p>
+            <a:r>
+              <a:rPr lang="ru-RU" dirty="0"/>
+              <a:t>Рисунок 10. Формула подсчета MSE</a:t>
+            </a:r>
+          </a:p>
+        </p:txBody>
+      </p:sp>
+      <p:sp>
+        <p:nvSpPr>
+          <p:cNvPr id="18" name="TextBox 17">
+            <a:extLst>
+              <a:ext uri="{FF2B5EF4-FFF2-40B4-BE49-F238E27FC236}">
+                <a16:creationId xmlns:a16="http://schemas.microsoft.com/office/drawing/2014/main" id="{F56DE078-8992-4CDE-25AA-A0FC51B81850}"/>
+              </a:ext>
+            </a:extLst>
+          </p:cNvPr>
+          <p:cNvSpPr txBox="1"/>
+          <p:nvPr/>
+        </p:nvSpPr>
+        <p:spPr>
+          <a:xfrm>
+            <a:off x="7692390" y="3876979"/>
+            <a:ext cx="6094476" cy="369332"/>
+          </a:xfrm>
+          <a:prstGeom prst="rect">
+            <a:avLst/>
+          </a:prstGeom>
+          <a:noFill/>
+        </p:spPr>
+        <p:txBody>
+          <a:bodyPr wrap="square">
+            <a:spAutoFit/>
+          </a:bodyPr>
+          <a:lstStyle/>
+          <a:p>
+            <a:r>
+              <a:rPr lang="ru-RU" dirty="0"/>
+              <a:t>Рисунок 11. Формула подсчета MАE</a:t>
+            </a:r>
+          </a:p>
+        </p:txBody>
+      </p:sp>
+    </p:spTree>
+    <p:extLst>
+      <p:ext uri="{BB962C8B-B14F-4D97-AF65-F5344CB8AC3E}">
+        <p14:creationId xmlns:p14="http://schemas.microsoft.com/office/powerpoint/2010/main" val="3640196880"/>
+      </p:ext>
+    </p:extLst>
+  </p:cSld>
+  <p:clrMapOvr>
+    <a:masterClrMapping/>
+  </p:clrMapOvr>
+  <mc:AlternateContent xmlns:mc="http://schemas.openxmlformats.org/markup-compatibility/2006">
+    <mc:Choice xmlns:p14="http://schemas.microsoft.com/office/powerpoint/2010/main" Requires="p14">
+      <p:transition spd="slow" p14:dur="1300">
+        <p14:pan dir="u"/>
+      </p:transition>
+    </mc:Choice>
+    <mc:Fallback>
+      <p:transition spd="slow">
+        <p:fade/>
+      </p:transition>
+    </mc:Fallback>
+  </mc:AlternateContent>
+</p:sld>
+</file>
+
+<file path=ppt/slides/slide11.xml><?xml version="1.0" encoding="utf-8"?>
+<p:sld xmlns:a="http://schemas.openxmlformats.org/drawingml/2006/main" xmlns:r="http://schemas.openxmlformats.org/officeDocument/2006/relationships" xmlns:p="http://schemas.openxmlformats.org/presentationml/2006/main">
+  <p:cSld>
+    <p:spTree>
+      <p:nvGrpSpPr>
+        <p:cNvPr id="1" name=""/>
+        <p:cNvGrpSpPr/>
+        <p:nvPr/>
+      </p:nvGrpSpPr>
+      <p:grpSpPr>
+        <a:xfrm>
+          <a:off x="0" y="0"/>
+          <a:ext cx="0" cy="0"/>
+          <a:chOff x="0" y="0"/>
+          <a:chExt cx="0" cy="0"/>
+        </a:xfrm>
+      </p:grpSpPr>
+      <p:sp>
+        <p:nvSpPr>
+          <p:cNvPr id="6" name="Slide Number Placeholder 5">
+            <a:extLst>
+              <a:ext uri="{FF2B5EF4-FFF2-40B4-BE49-F238E27FC236}">
+                <a16:creationId xmlns:a16="http://schemas.microsoft.com/office/drawing/2014/main" id="{E3B517BE-EAF1-480A-8CC0-862156FF8C6B}"/>
+              </a:ext>
+            </a:extLst>
+          </p:cNvPr>
+          <p:cNvSpPr>
+            <a:spLocks noGrp="1"/>
+          </p:cNvSpPr>
+          <p:nvPr>
+            <p:ph type="sldNum" sz="quarter" idx="12"/>
+          </p:nvPr>
+        </p:nvSpPr>
+        <p:spPr/>
+        <p:txBody>
+          <a:bodyPr/>
+          <a:lstStyle/>
+          <a:p>
+            <a:fld id="{54320921-3B40-48F9-9480-72E41177CE63}" type="slidenum">
+              <a:rPr lang="en-US" sz="1800" smtClean="0"/>
+              <a:t>11</a:t>
+            </a:fld>
+            <a:r>
+              <a:rPr lang="en-US" sz="1800" dirty="0"/>
+              <a:t> / 12</a:t>
+            </a:r>
+          </a:p>
+        </p:txBody>
+      </p:sp>
+      <p:sp>
+        <p:nvSpPr>
+          <p:cNvPr id="8" name="Заголовок 7">
+            <a:extLst>
+              <a:ext uri="{FF2B5EF4-FFF2-40B4-BE49-F238E27FC236}">
+                <a16:creationId xmlns:a16="http://schemas.microsoft.com/office/drawing/2014/main" id="{2E20C9DD-AAFE-93CC-2FCC-EDF3B01FAF9B}"/>
+              </a:ext>
+            </a:extLst>
+          </p:cNvPr>
+          <p:cNvSpPr>
+            <a:spLocks noGrp="1"/>
+          </p:cNvSpPr>
+          <p:nvPr>
+            <p:ph type="title"/>
+          </p:nvPr>
+        </p:nvSpPr>
+        <p:spPr/>
+        <p:txBody>
+          <a:bodyPr/>
+          <a:lstStyle/>
+          <a:p>
+            <a:r>
+              <a:rPr lang="ru-RU" b="1" dirty="0"/>
+              <a:t>Проведение исследования</a:t>
+            </a:r>
+            <a:endParaRPr lang="ru-RU" dirty="0"/>
+          </a:p>
+        </p:txBody>
+      </p:sp>
+      <p:pic>
+        <p:nvPicPr>
+          <p:cNvPr id="12" name="Рисунок 11">
+            <a:extLst>
+              <a:ext uri="{FF2B5EF4-FFF2-40B4-BE49-F238E27FC236}">
+                <a16:creationId xmlns:a16="http://schemas.microsoft.com/office/drawing/2014/main" id="{91123088-D998-9342-8E02-3017EDC475E8}"/>
+              </a:ext>
+            </a:extLst>
+          </p:cNvPr>
+          <p:cNvPicPr>
+            <a:picLocks noChangeAspect="1"/>
+          </p:cNvPicPr>
+          <p:nvPr/>
+        </p:nvPicPr>
+        <p:blipFill>
+          <a:blip r:embed="rId3"/>
+          <a:stretch>
+            <a:fillRect/>
+          </a:stretch>
+        </p:blipFill>
+        <p:spPr>
+          <a:xfrm>
+            <a:off x="1113852" y="2269988"/>
+            <a:ext cx="3991532" cy="2848373"/>
+          </a:xfrm>
+          <a:prstGeom prst="rect">
+            <a:avLst/>
+          </a:prstGeom>
+        </p:spPr>
+      </p:pic>
+      <p:pic>
+        <p:nvPicPr>
+          <p:cNvPr id="14" name="Рисунок 13">
+            <a:extLst>
+              <a:ext uri="{FF2B5EF4-FFF2-40B4-BE49-F238E27FC236}">
+                <a16:creationId xmlns:a16="http://schemas.microsoft.com/office/drawing/2014/main" id="{6F8418C1-AE9F-9A93-99CA-8EDD61FBC132}"/>
+              </a:ext>
+            </a:extLst>
+          </p:cNvPr>
+          <p:cNvPicPr>
+            <a:picLocks noChangeAspect="1"/>
+          </p:cNvPicPr>
+          <p:nvPr/>
+        </p:nvPicPr>
+        <p:blipFill>
+          <a:blip r:embed="rId4"/>
+          <a:stretch>
+            <a:fillRect/>
+          </a:stretch>
+        </p:blipFill>
+        <p:spPr>
+          <a:xfrm>
+            <a:off x="7096142" y="2269987"/>
+            <a:ext cx="3982006" cy="2848373"/>
+          </a:xfrm>
+          <a:prstGeom prst="rect">
+            <a:avLst/>
+          </a:prstGeom>
+        </p:spPr>
+      </p:pic>
+      <p:sp>
+        <p:nvSpPr>
+          <p:cNvPr id="18" name="TextBox 17">
+            <a:extLst>
+              <a:ext uri="{FF2B5EF4-FFF2-40B4-BE49-F238E27FC236}">
+                <a16:creationId xmlns:a16="http://schemas.microsoft.com/office/drawing/2014/main" id="{77F9BB59-E6C3-1C37-DBC4-067A9119AB25}"/>
+              </a:ext>
+            </a:extLst>
+          </p:cNvPr>
+          <p:cNvSpPr txBox="1"/>
+          <p:nvPr/>
+        </p:nvSpPr>
+        <p:spPr>
+          <a:xfrm>
+            <a:off x="62380" y="5118359"/>
+            <a:ext cx="6094476" cy="646331"/>
+          </a:xfrm>
+          <a:prstGeom prst="rect">
+            <a:avLst/>
+          </a:prstGeom>
+          <a:noFill/>
+        </p:spPr>
+        <p:txBody>
+          <a:bodyPr wrap="square">
+            <a:spAutoFit/>
+          </a:bodyPr>
+          <a:lstStyle/>
+          <a:p>
+            <a:pPr algn="ctr"/>
+            <a:r>
+              <a:rPr lang="ru-RU" dirty="0"/>
+              <a:t>Рисунок 12. Зависимость времени обучения НС от количества эпох при использовании MSELoss</a:t>
+            </a:r>
+          </a:p>
+        </p:txBody>
+      </p:sp>
+      <p:sp>
+        <p:nvSpPr>
+          <p:cNvPr id="22" name="TextBox 21">
+            <a:extLst>
+              <a:ext uri="{FF2B5EF4-FFF2-40B4-BE49-F238E27FC236}">
+                <a16:creationId xmlns:a16="http://schemas.microsoft.com/office/drawing/2014/main" id="{CC1BC77F-B62F-838A-C5AD-687AE588A012}"/>
+              </a:ext>
+            </a:extLst>
+          </p:cNvPr>
+          <p:cNvSpPr txBox="1"/>
+          <p:nvPr/>
+        </p:nvSpPr>
+        <p:spPr>
+          <a:xfrm>
+            <a:off x="6039907" y="5118359"/>
+            <a:ext cx="6094476" cy="646331"/>
+          </a:xfrm>
+          <a:prstGeom prst="rect">
+            <a:avLst/>
+          </a:prstGeom>
+          <a:noFill/>
+        </p:spPr>
+        <p:txBody>
+          <a:bodyPr wrap="square">
+            <a:spAutoFit/>
+          </a:bodyPr>
+          <a:lstStyle/>
+          <a:p>
+            <a:pPr algn="ctr"/>
+            <a:r>
+              <a:rPr lang="ru-RU" dirty="0"/>
+              <a:t>Рисунок 13. Зависимость времени обучения НС от количества эпох при использовании MAELoss</a:t>
+            </a:r>
+          </a:p>
+        </p:txBody>
+      </p:sp>
+    </p:spTree>
+    <p:extLst>
+      <p:ext uri="{BB962C8B-B14F-4D97-AF65-F5344CB8AC3E}">
+        <p14:creationId xmlns:p14="http://schemas.microsoft.com/office/powerpoint/2010/main" val="1244395052"/>
+      </p:ext>
+    </p:extLst>
+  </p:cSld>
+  <p:clrMapOvr>
+    <a:masterClrMapping/>
+  </p:clrMapOvr>
+  <mc:AlternateContent xmlns:mc="http://schemas.openxmlformats.org/markup-compatibility/2006">
+    <mc:Choice xmlns:p14="http://schemas.microsoft.com/office/powerpoint/2010/main" Requires="p14">
+      <p:transition spd="slow" p14:dur="1300">
+        <p14:pan dir="u"/>
+      </p:transition>
+    </mc:Choice>
+    <mc:Fallback>
+      <p:transition spd="slow">
+        <p:fade/>
+      </p:transition>
+    </mc:Fallback>
+  </mc:AlternateContent>
+</p:sld>
+</file>
+
+<file path=ppt/slides/slide12.xml><?xml version="1.0" encoding="utf-8"?>
+<p:sld xmlns:a="http://schemas.openxmlformats.org/drawingml/2006/main" xmlns:r="http://schemas.openxmlformats.org/officeDocument/2006/relationships" xmlns:p="http://schemas.openxmlformats.org/presentationml/2006/main">
+  <p:cSld>
+    <p:spTree>
+      <p:nvGrpSpPr>
+        <p:cNvPr id="1" name=""/>
+        <p:cNvGrpSpPr/>
+        <p:nvPr/>
+      </p:nvGrpSpPr>
+      <p:grpSpPr>
+        <a:xfrm>
+          <a:off x="0" y="0"/>
+          <a:ext cx="0" cy="0"/>
+          <a:chOff x="0" y="0"/>
+          <a:chExt cx="0" cy="0"/>
+        </a:xfrm>
+      </p:grpSpPr>
+      <p:sp>
+        <p:nvSpPr>
+          <p:cNvPr id="2" name="Title 1">
+            <a:extLst>
+              <a:ext uri="{FF2B5EF4-FFF2-40B4-BE49-F238E27FC236}">
+                <a16:creationId xmlns:a16="http://schemas.microsoft.com/office/drawing/2014/main" id="{93FFFA83-1C5B-4DD6-A269-EFBB60088FF5}"/>
+              </a:ext>
+            </a:extLst>
+          </p:cNvPr>
+          <p:cNvSpPr>
+            <a:spLocks noGrp="1"/>
+          </p:cNvSpPr>
+          <p:nvPr>
+            <p:ph type="title"/>
+          </p:nvPr>
+        </p:nvSpPr>
+        <p:spPr/>
+        <p:txBody>
+          <a:bodyPr/>
+          <a:lstStyle/>
+          <a:p>
+            <a:r>
+              <a:rPr lang="ru-RU" b="1" dirty="0"/>
+              <a:t>Заключение</a:t>
+            </a:r>
+            <a:endParaRPr lang="en-US" b="1" dirty="0"/>
+          </a:p>
+        </p:txBody>
+      </p:sp>
+      <p:sp>
+        <p:nvSpPr>
+          <p:cNvPr id="3" name="Content Placeholder 2">
+            <a:extLst>
+              <a:ext uri="{FF2B5EF4-FFF2-40B4-BE49-F238E27FC236}">
+                <a16:creationId xmlns:a16="http://schemas.microsoft.com/office/drawing/2014/main" id="{1795FF78-B6C9-4EBB-B62B-0E126F9FCAB4}"/>
+              </a:ext>
+            </a:extLst>
+          </p:cNvPr>
+          <p:cNvSpPr>
+            <a:spLocks noGrp="1"/>
+          </p:cNvSpPr>
+          <p:nvPr>
+            <p:ph idx="1"/>
+          </p:nvPr>
+        </p:nvSpPr>
+        <p:spPr/>
+        <p:txBody>
+          <a:bodyPr>
+            <a:normAutofit/>
+          </a:bodyPr>
+          <a:lstStyle/>
+          <a:p>
+            <a:r>
+              <a:rPr lang="ru-RU" dirty="0">
+                <a:latin typeface="+mj-lt"/>
+              </a:rPr>
+              <a:t>В результате работы были выполнены следующие задачи:</a:t>
+            </a:r>
+          </a:p>
+          <a:p>
+            <a:pPr lvl="1"/>
+            <a:r>
+              <a:rPr lang="ru-RU" dirty="0">
+                <a:latin typeface="+mj-lt"/>
+              </a:rPr>
+              <a:t>Рассмотрено, что такое сверточная нейронная сеть;</a:t>
+            </a:r>
+          </a:p>
+          <a:p>
+            <a:pPr lvl="1"/>
+            <a:r>
+              <a:rPr lang="ru-RU" dirty="0">
+                <a:latin typeface="+mj-lt"/>
+              </a:rPr>
+              <a:t>Чем сверточная сеть отличается от простого линейного перцептрона;</a:t>
+            </a:r>
+          </a:p>
+          <a:p>
+            <a:pPr lvl="1"/>
+            <a:r>
+              <a:rPr lang="ru-RU" dirty="0">
+                <a:latin typeface="+mj-lt"/>
+              </a:rPr>
+              <a:t>Описана работа по составлению датасета на основе данных о тикере MSFT;</a:t>
+            </a:r>
+          </a:p>
+          <a:p>
+            <a:pPr lvl="1"/>
+            <a:r>
+              <a:rPr lang="ru-RU" dirty="0">
+                <a:latin typeface="+mj-lt"/>
+              </a:rPr>
+              <a:t>Описана работа по настройке и подбору нужных функции-оптимизации, функции-потерь, функции-активации и других настроек архитектуры НС;</a:t>
+            </a:r>
+          </a:p>
+          <a:p>
+            <a:pPr lvl="1"/>
+            <a:r>
+              <a:rPr lang="ru-RU" dirty="0">
+                <a:latin typeface="+mj-lt"/>
+              </a:rPr>
+              <a:t>Были проведены анализы работы сверточной НС при разных параметрах;</a:t>
+            </a:r>
+          </a:p>
+          <a:p>
+            <a:pPr lvl="1"/>
+            <a:r>
+              <a:rPr lang="ru-RU" dirty="0">
+                <a:latin typeface="+mj-lt"/>
+              </a:rPr>
+              <a:t>Было проведено сравнение с работой линейного перцептрона при разных параметрах.</a:t>
+            </a:r>
+          </a:p>
+        </p:txBody>
+      </p:sp>
+      <p:sp>
+        <p:nvSpPr>
+          <p:cNvPr id="4" name="Slide Number Placeholder 3">
+            <a:extLst>
+              <a:ext uri="{FF2B5EF4-FFF2-40B4-BE49-F238E27FC236}">
+                <a16:creationId xmlns:a16="http://schemas.microsoft.com/office/drawing/2014/main" id="{7D994CB5-A4F1-4114-8873-0B1767BC02AC}"/>
+              </a:ext>
+            </a:extLst>
+          </p:cNvPr>
+          <p:cNvSpPr>
+            <a:spLocks noGrp="1"/>
+          </p:cNvSpPr>
+          <p:nvPr>
+            <p:ph type="sldNum" sz="quarter" idx="12"/>
+          </p:nvPr>
+        </p:nvSpPr>
+        <p:spPr/>
+        <p:txBody>
+          <a:bodyPr/>
+          <a:lstStyle/>
+          <a:p>
+            <a:fld id="{54320921-3B40-48F9-9480-72E41177CE63}" type="slidenum">
+              <a:rPr lang="en-US" sz="1800" smtClean="0"/>
+              <a:t>12</a:t>
+            </a:fld>
+            <a:r>
+              <a:rPr lang="en-US" sz="1800" dirty="0"/>
+              <a:t> / </a:t>
+            </a:r>
+            <a:r>
+              <a:rPr lang="ru-RU" sz="1800" dirty="0"/>
+              <a:t>12</a:t>
+            </a:r>
+            <a:endParaRPr lang="en-US" sz="1800" dirty="0"/>
+          </a:p>
+        </p:txBody>
+      </p:sp>
+    </p:spTree>
+    <p:extLst>
+      <p:ext uri="{BB962C8B-B14F-4D97-AF65-F5344CB8AC3E}">
+        <p14:creationId xmlns:p14="http://schemas.microsoft.com/office/powerpoint/2010/main" val="4237209568"/>
+      </p:ext>
+    </p:extLst>
+  </p:cSld>
+  <p:clrMapOvr>
+    <a:masterClrMapping/>
+  </p:clrMapOvr>
+  <mc:AlternateContent xmlns:mc="http://schemas.openxmlformats.org/markup-compatibility/2006">
+    <mc:Choice xmlns:p14="http://schemas.microsoft.com/office/powerpoint/2010/main" Requires="p14">
+      <p:transition spd="slow" p14:dur="1500">
+        <p14:window dir="vert"/>
+      </p:transition>
+    </mc:Choice>
+    <mc:Fallback>
+      <p:transition spd="slow">
+        <p:fade/>
+      </p:transition>
+    </mc:Fallback>
+  </mc:AlternateContent>
 </p:sld>
 </file>
 
@@ -3571,19 +5458,7 @@
               <a:rPr lang="ru-RU" dirty="0">
                 <a:latin typeface="+mj-lt"/>
               </a:rPr>
-              <a:t>Цель работы: разработать и оптимизировать интерактивные элементы пользовательского интерфейса карточной игры в движке </a:t>
-            </a:r>
-            <a:r>
-              <a:rPr lang="en-US" dirty="0">
-                <a:latin typeface="+mj-lt"/>
-              </a:rPr>
-              <a:t>Unreal Engine 4</a:t>
-            </a:r>
-            <a:r>
-              <a:rPr lang="ru-RU" dirty="0">
-                <a:latin typeface="+mj-lt"/>
-              </a:rPr>
-              <a:t>.</a:t>
+              <a:t>Цель работы: разработать и оптимизировать свёрточные нейронные сети для решения задач технического анализа при управлении активами на фондовом рынке .</a:t>
             </a:r>
           </a:p>
           <a:p>
@@ -3600,19 +5475,7 @@
               <a:rPr lang="ru-RU" dirty="0">
                 <a:latin typeface="+mj-lt"/>
               </a:rPr>
-              <a:t>создать 3</a:t>
-            </a:r>
-            <a:r>
-              <a:rPr lang="en-US" dirty="0">
-                <a:latin typeface="+mj-lt"/>
-              </a:rPr>
-              <a:t>D-</a:t>
-            </a:r>
-            <a:r>
-              <a:rPr lang="ru-RU" dirty="0">
-                <a:latin typeface="+mj-lt"/>
-              </a:rPr>
-              <a:t>модели рамок карт и подготовить их для импорта в движок</a:t>
+              <a:t>разработать архитектуру нейронной сети на основе сверток</a:t>
             </a:r>
             <a:r>
               <a:rPr lang="en-US" dirty="0">
@@ -3627,7 +5490,7 @@
               <a:rPr lang="ru-RU" dirty="0">
                 <a:latin typeface="+mj-lt"/>
               </a:rPr>
-              <a:t>разработать систему выкладки карт на поле боя, оптимизировать их отрисовку</a:t>
+              <a:t>разработать датасет для загрузки необходимых данных в НС</a:t>
             </a:r>
             <a:r>
               <a:rPr lang="en-US" dirty="0">
@@ -3642,7 +5505,7 @@
               <a:rPr lang="ru-RU" dirty="0">
                 <a:latin typeface="+mj-lt"/>
               </a:rPr>
-              <a:t>реализовать возможность выбора карт из группы</a:t>
+              <a:t>подобрать необходимые настройки и параметризации для НС</a:t>
             </a:r>
             <a:r>
               <a:rPr lang="en-US" dirty="0">
@@ -3657,7 +5520,7 @@
               <a:rPr lang="ru-RU" dirty="0">
                 <a:latin typeface="+mj-lt"/>
               </a:rPr>
-              <a:t>реализовать возможность приближения камеры к области выбранного игрока.</a:t>
+              <a:t>обучить НС и провести исследование её пригодности для анализа биржевых котировок и стратегии торговли .</a:t>
             </a:r>
           </a:p>
         </p:txBody>
@@ -3693,7 +5556,7 @@
             </a:r>
             <a:r>
               <a:rPr lang="ru-RU" sz="1800" dirty="0"/>
-              <a:t>4</a:t>
+              <a:t>12</a:t>
             </a:r>
             <a:endParaRPr lang="en-US" sz="1800" dirty="0"/>
           </a:p>
@@ -3709,6 +5572,18 @@
   <p:clrMapOvr>
     <a:masterClrMapping/>
   </p:clrMapOvr>
+  <mc:AlternateContent xmlns:mc="http://schemas.openxmlformats.org/markup-compatibility/2006">
+    <mc:Choice xmlns:p14="http://schemas.microsoft.com/office/powerpoint/2010/main" Requires="p14">
+      <p:transition spd="slow" p14:dur="1300">
+        <p14:pan dir="u"/>
+      </p:transition>
+    </mc:Choice>
+    <mc:Fallback>
+      <p:transition spd="slow">
+        <p:fade/>
+      </p:transition>
+    </mc:Fallback>
+  </mc:AlternateContent>
 </p:sld>
 </file>
 
@@ -3792,7 +5667,7 @@
               <a:rPr lang="ru-RU" dirty="0">
                 <a:latin typeface="+mj-lt"/>
               </a:rPr>
-              <a:t>данный набор визуальных объектов может стать визуальной составляющей компьютерной карточной игры</a:t>
+              <a:t>данная работа открывает большие возможности к изучению и применению нейронных сетей в области технического анализа биржи</a:t>
             </a:r>
             <a:r>
               <a:rPr lang="en-US" dirty="0">
@@ -3807,25 +5682,13 @@
               <a:rPr lang="ru-RU" dirty="0">
                 <a:latin typeface="+mj-lt"/>
               </a:rPr>
-              <a:t>он написан на </a:t>
+              <a:t>подобных решений на </a:t>
             </a:r>
             <a:r>
               <a:rPr lang="en-US" dirty="0">
                 <a:latin typeface="+mj-lt"/>
               </a:rPr>
-              <a:t>C++</a:t>
-            </a:r>
-            <a:r>
-              <a:rPr lang="ru-RU" dirty="0">
-                <a:latin typeface="+mj-lt"/>
-              </a:rPr>
-              <a:t>, подобных профильных решений в </a:t>
-            </a:r>
-            <a:r>
-              <a:rPr lang="en-US" dirty="0">
-                <a:latin typeface="+mj-lt"/>
-              </a:rPr>
-              <a:t>Epic Games Marketplace </a:t>
+              <a:t>CNN </a:t>
             </a:r>
             <a:r>
               <a:rPr lang="ru-RU" dirty="0">
@@ -3846,7 +5709,19 @@
               <a:rPr lang="ru-RU" dirty="0">
                 <a:latin typeface="+mj-lt"/>
               </a:rPr>
-              <a:t>данная работа позволяет исследовать оптимизацию производительности, которую даёт механизм инстансинга объектов.</a:t>
+              <a:t>данная работа позволяет посмотреть с другой стороны на использование </a:t>
+            </a:r>
+            <a:r>
+              <a:rPr lang="en-US" dirty="0">
+                <a:latin typeface="+mj-lt"/>
+              </a:rPr>
+              <a:t>CNN</a:t>
+            </a:r>
+            <a:r>
+              <a:rPr lang="ru-RU" dirty="0">
+                <a:latin typeface="+mj-lt"/>
+              </a:rPr>
+              <a:t>.</a:t>
             </a:r>
             <a:endParaRPr lang="en-US" dirty="0">
               <a:latin typeface="+mj-lt"/>
@@ -3889,7 +5764,7 @@
             </a:r>
             <a:r>
               <a:rPr lang="ru-RU" sz="1800" dirty="0"/>
-              <a:t>4</a:t>
+              <a:t>12</a:t>
             </a:r>
             <a:endParaRPr lang="en-US" sz="1800" dirty="0"/>
           </a:p>
@@ -3905,6 +5780,18 @@
   <p:clrMapOvr>
     <a:masterClrMapping/>
   </p:clrMapOvr>
+  <mc:AlternateContent xmlns:mc="http://schemas.openxmlformats.org/markup-compatibility/2006">
+    <mc:Choice xmlns:p14="http://schemas.microsoft.com/office/powerpoint/2010/main" Requires="p14">
+      <p:transition spd="slow" p14:dur="1300">
+        <p14:pan dir="u"/>
+      </p:transition>
+    </mc:Choice>
+    <mc:Fallback>
+      <p:transition spd="slow">
+        <p:fade/>
+      </p:transition>
+    </mc:Fallback>
+  </mc:AlternateContent>
 </p:sld>
 </file>
 
@@ -3930,7 +5817,7 @@
           <p:cNvPr id="2" name="Title 1">
             <a:extLst>
               <a:ext uri="{FF2B5EF4-FFF2-40B4-BE49-F238E27FC236}">
-                <a16:creationId xmlns:a16="http://schemas.microsoft.com/office/drawing/2014/main" id="{93FFFA83-1C5B-4DD6-A269-EFBB60088FF5}"/>
+                <a16:creationId xmlns:a16="http://schemas.microsoft.com/office/drawing/2014/main" id="{5E5C62BF-6A34-47C7-AB1B-20596DB56C2B}"/>
               </a:ext>
             </a:extLst>
           </p:cNvPr>
@@ -3948,119 +5835,61 @@
           <a:p>
             <a:r>
               <a:rPr lang="ru-RU" b="1" dirty="0"/>
-              <a:t>Заключение</a:t>
-            </a:r>
-            <a:endParaRPr lang="en-US" b="1" dirty="0"/>
-          </a:p>
-        </p:txBody>
-      </p:sp>
-      <p:sp>
-        <p:nvSpPr>
-          <p:cNvPr id="3" name="Content Placeholder 2">
+              <a:t>Устройство </a:t>
+            </a:r>
+            <a:r>
+              <a:rPr lang="en-US" b="1" dirty="0"/>
+              <a:t>CNN</a:t>
+            </a:r>
+          </a:p>
+        </p:txBody>
+      </p:sp>
+      <p:sp>
+        <p:nvSpPr>
+          <p:cNvPr id="14" name="TextBox 13">
             <a:extLst>
               <a:ext uri="{FF2B5EF4-FFF2-40B4-BE49-F238E27FC236}">
-                <a16:creationId xmlns:a16="http://schemas.microsoft.com/office/drawing/2014/main" id="{1795FF78-B6C9-4EBB-B62B-0E126F9FCAB4}"/>
+                <a16:creationId xmlns:a16="http://schemas.microsoft.com/office/drawing/2014/main" id="{79372E42-C676-4CAA-A1C4-E9619D22F1B7}"/>
               </a:ext>
             </a:extLst>
           </p:cNvPr>
-          <p:cNvSpPr>
-            <a:spLocks noGrp="1"/>
-          </p:cNvSpPr>
-          <p:nvPr>
-            <p:ph idx="1"/>
-          </p:nvPr>
-        </p:nvSpPr>
-        <p:spPr/>
-        <p:txBody>
-          <a:bodyPr/>
-          <a:lstStyle/>
-          <a:p>
+          <p:cNvSpPr txBox="1"/>
+          <p:nvPr/>
+        </p:nvSpPr>
+        <p:spPr>
+          <a:xfrm>
+            <a:off x="4476117" y="5892581"/>
+            <a:ext cx="3239763" cy="646331"/>
+          </a:xfrm>
+          <a:prstGeom prst="rect">
+            <a:avLst/>
+          </a:prstGeom>
+          <a:noFill/>
+        </p:spPr>
+        <p:txBody>
+          <a:bodyPr wrap="square" rtlCol="0">
+            <a:spAutoFit/>
+          </a:bodyPr>
+          <a:lstStyle/>
+          <a:p>
+            <a:pPr algn="ctr"/>
             <a:r>
               <a:rPr lang="ru-RU" dirty="0">
                 <a:latin typeface="+mj-lt"/>
               </a:rPr>
-              <a:t>В результате работы были выполнены следующие задачи:</a:t>
-            </a:r>
-          </a:p>
-          <a:p>
-            <a:pPr lvl="1"/>
+              <a:t>Рис. </a:t>
+            </a:r>
+            <a:r>
+              <a:rPr lang="en-US" dirty="0">
+                <a:latin typeface="+mj-lt"/>
+              </a:rPr>
+              <a:t>1</a:t>
+            </a:r>
             <a:r>
               <a:rPr lang="ru-RU" dirty="0">
                 <a:latin typeface="+mj-lt"/>
               </a:rPr>
-              <a:t>созданы и оптимизированы </a:t>
-            </a:r>
-            <a:r>
-              <a:rPr lang="en-US" dirty="0">
-                <a:latin typeface="+mj-lt"/>
-              </a:rPr>
-              <a:t>3D-</a:t>
-            </a:r>
-            <a:r>
-              <a:rPr lang="ru-RU" dirty="0">
-                <a:latin typeface="+mj-lt"/>
-              </a:rPr>
-              <a:t>модели рамок карт, выполнен импорт в движок </a:t>
-            </a:r>
-            <a:r>
-              <a:rPr lang="en-US" dirty="0">
-                <a:latin typeface="+mj-lt"/>
-              </a:rPr>
-              <a:t>Unreal Engine 4;</a:t>
-            </a:r>
-          </a:p>
-          <a:p>
-            <a:pPr lvl="1"/>
-            <a:r>
-              <a:rPr lang="ru-RU" dirty="0">
-                <a:latin typeface="+mj-lt"/>
-              </a:rPr>
-              <a:t>разработана система выкладки карт на поле боя</a:t>
-            </a:r>
-            <a:r>
-              <a:rPr lang="en-US" dirty="0">
-                <a:latin typeface="+mj-lt"/>
-              </a:rPr>
-              <a:t>;</a:t>
-            </a:r>
-          </a:p>
-          <a:p>
-            <a:pPr lvl="1"/>
-            <a:r>
-              <a:rPr lang="ru-RU" dirty="0">
-                <a:latin typeface="+mj-lt"/>
-              </a:rPr>
-              <a:t>оптимизирована отрисовка большого количества карт</a:t>
-            </a:r>
-            <a:r>
-              <a:rPr lang="en-US" dirty="0">
-                <a:latin typeface="+mj-lt"/>
-              </a:rPr>
-              <a:t>;</a:t>
-            </a:r>
-          </a:p>
-          <a:p>
-            <a:pPr lvl="1"/>
-            <a:r>
-              <a:rPr lang="ru-RU" dirty="0">
-                <a:latin typeface="+mj-lt"/>
-              </a:rPr>
-              <a:t>добавлена возможность выбора карт из группы</a:t>
-            </a:r>
-            <a:r>
-              <a:rPr lang="en-US" dirty="0">
-                <a:latin typeface="+mj-lt"/>
-              </a:rPr>
-              <a:t>;</a:t>
-            </a:r>
-          </a:p>
-          <a:p>
-            <a:pPr lvl="1"/>
-            <a:r>
-              <a:rPr lang="ru-RU" dirty="0">
-                <a:latin typeface="+mj-lt"/>
-              </a:rPr>
-              <a:t>реализована возможность приближения камеры к области выбранного игрока.</a:t>
+              <a:t>. Архитектура сверточной нейронной сети</a:t>
             </a:r>
             <a:endParaRPr lang="en-US" dirty="0">
               <a:latin typeface="+mj-lt"/>
@@ -4070,10 +5899,10 @@
       </p:sp>
       <p:sp>
         <p:nvSpPr>
-          <p:cNvPr id="4" name="Slide Number Placeholder 3">
+          <p:cNvPr id="34" name="Slide Number Placeholder 33">
             <a:extLst>
               <a:ext uri="{FF2B5EF4-FFF2-40B4-BE49-F238E27FC236}">
-                <a16:creationId xmlns:a16="http://schemas.microsoft.com/office/drawing/2014/main" id="{7D994CB5-A4F1-4114-8873-0B1767BC02AC}"/>
+                <a16:creationId xmlns:a16="http://schemas.microsoft.com/office/drawing/2014/main" id="{47B25496-8E82-4259-A465-1E1B7CC9B2CF}"/>
               </a:ext>
             </a:extLst>
           </p:cNvPr>
@@ -4095,26 +5924,1304 @@
             </a:fld>
             <a:r>
               <a:rPr lang="en-US" sz="1800" dirty="0"/>
-              <a:t> / </a:t>
-            </a:r>
-            <a:r>
-              <a:rPr lang="ru-RU" sz="1800" dirty="0"/>
-              <a:t>4</a:t>
-            </a:r>
-            <a:endParaRPr lang="en-US" sz="1800" dirty="0"/>
-          </a:p>
-        </p:txBody>
-      </p:sp>
+              <a:t> / 12</a:t>
+            </a:r>
+          </a:p>
+        </p:txBody>
+      </p:sp>
+      <p:pic>
+        <p:nvPicPr>
+          <p:cNvPr id="3" name="Рисунок 2">
+            <a:extLst>
+              <a:ext uri="{FF2B5EF4-FFF2-40B4-BE49-F238E27FC236}">
+                <a16:creationId xmlns:a16="http://schemas.microsoft.com/office/drawing/2014/main" id="{105B80CF-E44B-F554-24B0-EBDE27475F4C}"/>
+              </a:ext>
+            </a:extLst>
+          </p:cNvPr>
+          <p:cNvPicPr>
+            <a:picLocks noChangeAspect="1"/>
+          </p:cNvPicPr>
+          <p:nvPr/>
+        </p:nvPicPr>
+        <p:blipFill>
+          <a:blip r:embed="rId3" cstate="print">
+            <a:extLst>
+              <a:ext uri="{28A0092B-C50C-407E-A947-70E740481C1C}">
+                <a14:useLocalDpi xmlns:a14="http://schemas.microsoft.com/office/drawing/2010/main" val="0"/>
+              </a:ext>
+            </a:extLst>
+          </a:blip>
+          <a:srcRect/>
+          <a:stretch>
+            <a:fillRect/>
+          </a:stretch>
+        </p:blipFill>
+        <p:spPr bwMode="auto">
+          <a:xfrm>
+            <a:off x="2133618" y="1602466"/>
+            <a:ext cx="7924763" cy="4240549"/>
+          </a:xfrm>
+          <a:prstGeom prst="rect">
+            <a:avLst/>
+          </a:prstGeom>
+          <a:noFill/>
+          <a:ln>
+            <a:noFill/>
+          </a:ln>
+        </p:spPr>
+      </p:pic>
     </p:spTree>
     <p:extLst>
       <p:ext uri="{BB962C8B-B14F-4D97-AF65-F5344CB8AC3E}">
-        <p14:creationId xmlns:p14="http://schemas.microsoft.com/office/powerpoint/2010/main" val="4237209568"/>
+        <p14:creationId xmlns:p14="http://schemas.microsoft.com/office/powerpoint/2010/main" val="1955677667"/>
       </p:ext>
     </p:extLst>
   </p:cSld>
   <p:clrMapOvr>
     <a:masterClrMapping/>
   </p:clrMapOvr>
+  <mc:AlternateContent xmlns:mc="http://schemas.openxmlformats.org/markup-compatibility/2006">
+    <mc:Choice xmlns:p14="http://schemas.microsoft.com/office/powerpoint/2010/main" Requires="p14">
+      <p:transition spd="slow" p14:dur="1300">
+        <p14:pan dir="u"/>
+      </p:transition>
+    </mc:Choice>
+    <mc:Fallback>
+      <p:transition spd="slow">
+        <p:fade/>
+      </p:transition>
+    </mc:Fallback>
+  </mc:AlternateContent>
+</p:sld>
+</file>
+
+<file path=ppt/slides/slide5.xml><?xml version="1.0" encoding="utf-8"?>
+<p:sld xmlns:a="http://schemas.openxmlformats.org/drawingml/2006/main" xmlns:r="http://schemas.openxmlformats.org/officeDocument/2006/relationships" xmlns:p="http://schemas.openxmlformats.org/presentationml/2006/main">
+  <p:cSld>
+    <p:spTree>
+      <p:nvGrpSpPr>
+        <p:cNvPr id="1" name=""/>
+        <p:cNvGrpSpPr/>
+        <p:nvPr/>
+      </p:nvGrpSpPr>
+      <p:grpSpPr>
+        <a:xfrm>
+          <a:off x="0" y="0"/>
+          <a:ext cx="0" cy="0"/>
+          <a:chOff x="0" y="0"/>
+          <a:chExt cx="0" cy="0"/>
+        </a:xfrm>
+      </p:grpSpPr>
+      <p:sp>
+        <p:nvSpPr>
+          <p:cNvPr id="2" name="Title 1">
+            <a:extLst>
+              <a:ext uri="{FF2B5EF4-FFF2-40B4-BE49-F238E27FC236}">
+                <a16:creationId xmlns:a16="http://schemas.microsoft.com/office/drawing/2014/main" id="{6E1B3B63-544E-4F48-BA17-EB63040F9A6E}"/>
+              </a:ext>
+            </a:extLst>
+          </p:cNvPr>
+          <p:cNvSpPr>
+            <a:spLocks noGrp="1"/>
+          </p:cNvSpPr>
+          <p:nvPr>
+            <p:ph type="title"/>
+          </p:nvPr>
+        </p:nvSpPr>
+        <p:spPr/>
+        <p:txBody>
+          <a:bodyPr/>
+          <a:lstStyle/>
+          <a:p>
+            <a:r>
+              <a:rPr lang="ru-RU" b="1" dirty="0"/>
+              <a:t>Изображение «в глазах» компьютера</a:t>
+            </a:r>
+            <a:endParaRPr lang="en-US" b="1" dirty="0"/>
+          </a:p>
+        </p:txBody>
+      </p:sp>
+      <p:sp>
+        <p:nvSpPr>
+          <p:cNvPr id="7" name="Slide Number Placeholder 6">
+            <a:extLst>
+              <a:ext uri="{FF2B5EF4-FFF2-40B4-BE49-F238E27FC236}">
+                <a16:creationId xmlns:a16="http://schemas.microsoft.com/office/drawing/2014/main" id="{AA6412E9-2CC2-4B7C-BA72-24AA3490F2F0}"/>
+              </a:ext>
+            </a:extLst>
+          </p:cNvPr>
+          <p:cNvSpPr>
+            <a:spLocks noGrp="1"/>
+          </p:cNvSpPr>
+          <p:nvPr>
+            <p:ph type="sldNum" sz="quarter" idx="12"/>
+          </p:nvPr>
+        </p:nvSpPr>
+        <p:spPr/>
+        <p:txBody>
+          <a:bodyPr/>
+          <a:lstStyle/>
+          <a:p>
+            <a:fld id="{54320921-3B40-48F9-9480-72E41177CE63}" type="slidenum">
+              <a:rPr lang="en-US" sz="1800" smtClean="0"/>
+              <a:t>5</a:t>
+            </a:fld>
+            <a:r>
+              <a:rPr lang="en-US" sz="1800" dirty="0"/>
+              <a:t> / 12</a:t>
+            </a:r>
+          </a:p>
+        </p:txBody>
+      </p:sp>
+      <p:pic>
+        <p:nvPicPr>
+          <p:cNvPr id="9" name="Рисунок 8">
+            <a:extLst>
+              <a:ext uri="{FF2B5EF4-FFF2-40B4-BE49-F238E27FC236}">
+                <a16:creationId xmlns:a16="http://schemas.microsoft.com/office/drawing/2014/main" id="{740F0CA3-0C29-61A6-44B3-2C49629B678E}"/>
+              </a:ext>
+            </a:extLst>
+          </p:cNvPr>
+          <p:cNvPicPr>
+            <a:picLocks noChangeAspect="1"/>
+          </p:cNvPicPr>
+          <p:nvPr/>
+        </p:nvPicPr>
+        <p:blipFill rotWithShape="1">
+          <a:blip r:embed="rId3">
+            <a:extLst>
+              <a:ext uri="{28A0092B-C50C-407E-A947-70E740481C1C}">
+                <a14:useLocalDpi xmlns:a14="http://schemas.microsoft.com/office/drawing/2010/main" val="0"/>
+              </a:ext>
+            </a:extLst>
+          </a:blip>
+          <a:srcRect b="57180"/>
+          <a:stretch/>
+        </p:blipFill>
+        <p:spPr bwMode="auto">
+          <a:xfrm>
+            <a:off x="876935" y="1690688"/>
+            <a:ext cx="5219065" cy="1552575"/>
+          </a:xfrm>
+          <a:prstGeom prst="rect">
+            <a:avLst/>
+          </a:prstGeom>
+          <a:noFill/>
+          <a:ln>
+            <a:noFill/>
+          </a:ln>
+          <a:extLst>
+            <a:ext uri="{53640926-AAD7-44D8-BBD7-CCE9431645EC}">
+              <a14:shadowObscured xmlns:a14="http://schemas.microsoft.com/office/drawing/2010/main"/>
+            </a:ext>
+          </a:extLst>
+        </p:spPr>
+      </p:pic>
+      <p:sp>
+        <p:nvSpPr>
+          <p:cNvPr id="11" name="TextBox 10">
+            <a:extLst>
+              <a:ext uri="{FF2B5EF4-FFF2-40B4-BE49-F238E27FC236}">
+                <a16:creationId xmlns:a16="http://schemas.microsoft.com/office/drawing/2014/main" id="{85387865-DC68-AA80-FE99-7FBB6D745E68}"/>
+              </a:ext>
+            </a:extLst>
+          </p:cNvPr>
+          <p:cNvSpPr txBox="1"/>
+          <p:nvPr/>
+        </p:nvSpPr>
+        <p:spPr>
+          <a:xfrm>
+            <a:off x="311213" y="3199963"/>
+            <a:ext cx="6094476" cy="458074"/>
+          </a:xfrm>
+          <a:prstGeom prst="rect">
+            <a:avLst/>
+          </a:prstGeom>
+          <a:noFill/>
+        </p:spPr>
+        <p:txBody>
+          <a:bodyPr wrap="square">
+            <a:spAutoFit/>
+          </a:bodyPr>
+          <a:lstStyle/>
+          <a:p>
+            <a:pPr indent="450215" algn="ctr">
+              <a:lnSpc>
+                <a:spcPct val="150000"/>
+              </a:lnSpc>
+              <a:spcAft>
+                <a:spcPts val="800"/>
+              </a:spcAft>
+            </a:pPr>
+            <a:r>
+              <a:rPr lang="ru-RU" sz="1800" dirty="0">
+                <a:effectLst/>
+                <a:latin typeface="Times New Roman" panose="02020603050405020304" pitchFamily="18" charset="0"/>
+                <a:ea typeface="Calibri" panose="020F0502020204030204" pitchFamily="34" charset="0"/>
+                <a:cs typeface="Times New Roman" panose="02020603050405020304" pitchFamily="18" charset="0"/>
+              </a:rPr>
+              <a:t>Рис. 2 Как компьютер видит изображение</a:t>
+            </a:r>
+          </a:p>
+        </p:txBody>
+      </p:sp>
+      <p:pic>
+        <p:nvPicPr>
+          <p:cNvPr id="12" name="Рисунок 11">
+            <a:extLst>
+              <a:ext uri="{FF2B5EF4-FFF2-40B4-BE49-F238E27FC236}">
+                <a16:creationId xmlns:a16="http://schemas.microsoft.com/office/drawing/2014/main" id="{68076E9E-E2CD-24DA-E217-9C190456CC5D}"/>
+              </a:ext>
+            </a:extLst>
+          </p:cNvPr>
+          <p:cNvPicPr>
+            <a:picLocks noChangeAspect="1"/>
+          </p:cNvPicPr>
+          <p:nvPr/>
+        </p:nvPicPr>
+        <p:blipFill rotWithShape="1">
+          <a:blip r:embed="rId3">
+            <a:extLst>
+              <a:ext uri="{28A0092B-C50C-407E-A947-70E740481C1C}">
+                <a14:useLocalDpi xmlns:a14="http://schemas.microsoft.com/office/drawing/2010/main" val="0"/>
+              </a:ext>
+            </a:extLst>
+          </a:blip>
+          <a:srcRect t="44619"/>
+          <a:stretch/>
+        </p:blipFill>
+        <p:spPr bwMode="auto">
+          <a:xfrm>
+            <a:off x="1148079" y="3853060"/>
+            <a:ext cx="4676775" cy="1798955"/>
+          </a:xfrm>
+          <a:prstGeom prst="rect">
+            <a:avLst/>
+          </a:prstGeom>
+          <a:noFill/>
+          <a:ln>
+            <a:noFill/>
+          </a:ln>
+          <a:extLst>
+            <a:ext uri="{53640926-AAD7-44D8-BBD7-CCE9431645EC}">
+              <a14:shadowObscured xmlns:a14="http://schemas.microsoft.com/office/drawing/2010/main"/>
+            </a:ext>
+          </a:extLst>
+        </p:spPr>
+      </p:pic>
+      <p:sp>
+        <p:nvSpPr>
+          <p:cNvPr id="14" name="TextBox 13">
+            <a:extLst>
+              <a:ext uri="{FF2B5EF4-FFF2-40B4-BE49-F238E27FC236}">
+                <a16:creationId xmlns:a16="http://schemas.microsoft.com/office/drawing/2014/main" id="{51F19274-8EE6-8502-FCEC-E25BDC6DDF78}"/>
+              </a:ext>
+            </a:extLst>
+          </p:cNvPr>
+          <p:cNvSpPr txBox="1"/>
+          <p:nvPr/>
+        </p:nvSpPr>
+        <p:spPr>
+          <a:xfrm>
+            <a:off x="203454" y="5531683"/>
+            <a:ext cx="6094476" cy="458074"/>
+          </a:xfrm>
+          <a:prstGeom prst="rect">
+            <a:avLst/>
+          </a:prstGeom>
+          <a:noFill/>
+        </p:spPr>
+        <p:txBody>
+          <a:bodyPr wrap="square">
+            <a:spAutoFit/>
+          </a:bodyPr>
+          <a:lstStyle/>
+          <a:p>
+            <a:pPr indent="450215" algn="ctr">
+              <a:lnSpc>
+                <a:spcPct val="150000"/>
+              </a:lnSpc>
+              <a:spcAft>
+                <a:spcPts val="800"/>
+              </a:spcAft>
+            </a:pPr>
+            <a:r>
+              <a:rPr lang="ru-RU" sz="1800" dirty="0">
+                <a:effectLst/>
+                <a:latin typeface="Times New Roman" panose="02020603050405020304" pitchFamily="18" charset="0"/>
+                <a:ea typeface="Calibri" panose="020F0502020204030204" pitchFamily="34" charset="0"/>
+                <a:cs typeface="Times New Roman" panose="02020603050405020304" pitchFamily="18" charset="0"/>
+              </a:rPr>
+              <a:t>Рис. 3 Преобразование из изображения в тензор</a:t>
+            </a:r>
+          </a:p>
+        </p:txBody>
+      </p:sp>
+      <p:pic>
+        <p:nvPicPr>
+          <p:cNvPr id="15" name="Рисунок 14">
+            <a:extLst>
+              <a:ext uri="{FF2B5EF4-FFF2-40B4-BE49-F238E27FC236}">
+                <a16:creationId xmlns:a16="http://schemas.microsoft.com/office/drawing/2014/main" id="{A937E50F-3269-6E61-B070-CD3CC258BE01}"/>
+              </a:ext>
+            </a:extLst>
+          </p:cNvPr>
+          <p:cNvPicPr>
+            <a:picLocks noChangeAspect="1"/>
+          </p:cNvPicPr>
+          <p:nvPr/>
+        </p:nvPicPr>
+        <p:blipFill>
+          <a:blip r:embed="rId4">
+            <a:extLst>
+              <a:ext uri="{28A0092B-C50C-407E-A947-70E740481C1C}">
+                <a14:useLocalDpi xmlns:a14="http://schemas.microsoft.com/office/drawing/2010/main" val="0"/>
+              </a:ext>
+            </a:extLst>
+          </a:blip>
+          <a:srcRect/>
+          <a:stretch>
+            <a:fillRect/>
+          </a:stretch>
+        </p:blipFill>
+        <p:spPr bwMode="auto">
+          <a:xfrm>
+            <a:off x="6548247" y="2552262"/>
+            <a:ext cx="2200275" cy="2200275"/>
+          </a:xfrm>
+          <a:prstGeom prst="rect">
+            <a:avLst/>
+          </a:prstGeom>
+          <a:noFill/>
+          <a:ln>
+            <a:solidFill>
+              <a:schemeClr val="tx1"/>
+            </a:solidFill>
+          </a:ln>
+        </p:spPr>
+      </p:pic>
+      <p:pic>
+        <p:nvPicPr>
+          <p:cNvPr id="16" name="Рисунок 15">
+            <a:extLst>
+              <a:ext uri="{FF2B5EF4-FFF2-40B4-BE49-F238E27FC236}">
+                <a16:creationId xmlns:a16="http://schemas.microsoft.com/office/drawing/2014/main" id="{055BC011-27A6-58D0-EAC7-11B4E34546E5}"/>
+              </a:ext>
+            </a:extLst>
+          </p:cNvPr>
+          <p:cNvPicPr>
+            <a:picLocks noChangeAspect="1"/>
+          </p:cNvPicPr>
+          <p:nvPr/>
+        </p:nvPicPr>
+        <p:blipFill rotWithShape="1">
+          <a:blip r:embed="rId5">
+            <a:extLst>
+              <a:ext uri="{28A0092B-C50C-407E-A947-70E740481C1C}">
+                <a14:useLocalDpi xmlns:a14="http://schemas.microsoft.com/office/drawing/2010/main" val="0"/>
+              </a:ext>
+            </a:extLst>
+          </a:blip>
+          <a:srcRect l="20886" r="14047"/>
+          <a:stretch/>
+        </p:blipFill>
+        <p:spPr bwMode="auto">
+          <a:xfrm>
+            <a:off x="8891080" y="2552262"/>
+            <a:ext cx="3086100" cy="2201545"/>
+          </a:xfrm>
+          <a:prstGeom prst="rect">
+            <a:avLst/>
+          </a:prstGeom>
+          <a:noFill/>
+          <a:ln>
+            <a:solidFill>
+              <a:schemeClr val="tx1"/>
+            </a:solidFill>
+          </a:ln>
+          <a:extLst>
+            <a:ext uri="{53640926-AAD7-44D8-BBD7-CCE9431645EC}">
+              <a14:shadowObscured xmlns:a14="http://schemas.microsoft.com/office/drawing/2010/main"/>
+            </a:ext>
+          </a:extLst>
+        </p:spPr>
+      </p:pic>
+      <p:sp>
+        <p:nvSpPr>
+          <p:cNvPr id="18" name="TextBox 17">
+            <a:extLst>
+              <a:ext uri="{FF2B5EF4-FFF2-40B4-BE49-F238E27FC236}">
+                <a16:creationId xmlns:a16="http://schemas.microsoft.com/office/drawing/2014/main" id="{C685C95F-5D89-2666-688D-937B872D4D31}"/>
+              </a:ext>
+            </a:extLst>
+          </p:cNvPr>
+          <p:cNvSpPr txBox="1"/>
+          <p:nvPr/>
+        </p:nvSpPr>
+        <p:spPr>
+          <a:xfrm>
+            <a:off x="6096000" y="4730526"/>
+            <a:ext cx="6094476" cy="873572"/>
+          </a:xfrm>
+          <a:prstGeom prst="rect">
+            <a:avLst/>
+          </a:prstGeom>
+          <a:noFill/>
+        </p:spPr>
+        <p:txBody>
+          <a:bodyPr wrap="square">
+            <a:spAutoFit/>
+          </a:bodyPr>
+          <a:lstStyle/>
+          <a:p>
+            <a:pPr indent="450215" algn="ctr">
+              <a:lnSpc>
+                <a:spcPct val="150000"/>
+              </a:lnSpc>
+              <a:spcAft>
+                <a:spcPts val="800"/>
+              </a:spcAft>
+            </a:pPr>
+            <a:r>
+              <a:rPr lang="ru-RU" sz="1800" dirty="0">
+                <a:effectLst/>
+                <a:latin typeface="Times New Roman" panose="02020603050405020304" pitchFamily="18" charset="0"/>
+                <a:ea typeface="Calibri" panose="020F0502020204030204" pitchFamily="34" charset="0"/>
+                <a:cs typeface="Times New Roman" panose="02020603050405020304" pitchFamily="18" charset="0"/>
+              </a:rPr>
+              <a:t>Рис 4. Изображение цифры и его представление в компьютере.</a:t>
+            </a:r>
+          </a:p>
+        </p:txBody>
+      </p:sp>
+    </p:spTree>
+    <p:extLst>
+      <p:ext uri="{BB962C8B-B14F-4D97-AF65-F5344CB8AC3E}">
+        <p14:creationId xmlns:p14="http://schemas.microsoft.com/office/powerpoint/2010/main" val="3690825106"/>
+      </p:ext>
+    </p:extLst>
+  </p:cSld>
+  <p:clrMapOvr>
+    <a:masterClrMapping/>
+  </p:clrMapOvr>
+  <mc:AlternateContent xmlns:mc="http://schemas.openxmlformats.org/markup-compatibility/2006">
+    <mc:Choice xmlns:p14="http://schemas.microsoft.com/office/powerpoint/2010/main" Requires="p14">
+      <p:transition spd="slow" p14:dur="1300">
+        <p14:pan dir="u"/>
+      </p:transition>
+    </mc:Choice>
+    <mc:Fallback>
+      <p:transition spd="slow">
+        <p:fade/>
+      </p:transition>
+    </mc:Fallback>
+  </mc:AlternateContent>
+</p:sld>
+</file>
+
+<file path=ppt/slides/slide6.xml><?xml version="1.0" encoding="utf-8"?>
+<p:sld xmlns:a="http://schemas.openxmlformats.org/drawingml/2006/main" xmlns:r="http://schemas.openxmlformats.org/officeDocument/2006/relationships" xmlns:p="http://schemas.openxmlformats.org/presentationml/2006/main">
+  <p:cSld>
+    <p:spTree>
+      <p:nvGrpSpPr>
+        <p:cNvPr id="1" name=""/>
+        <p:cNvGrpSpPr/>
+        <p:nvPr/>
+      </p:nvGrpSpPr>
+      <p:grpSpPr>
+        <a:xfrm>
+          <a:off x="0" y="0"/>
+          <a:ext cx="0" cy="0"/>
+          <a:chOff x="0" y="0"/>
+          <a:chExt cx="0" cy="0"/>
+        </a:xfrm>
+      </p:grpSpPr>
+      <p:sp>
+        <p:nvSpPr>
+          <p:cNvPr id="2" name="Title 1">
+            <a:extLst>
+              <a:ext uri="{FF2B5EF4-FFF2-40B4-BE49-F238E27FC236}">
+                <a16:creationId xmlns:a16="http://schemas.microsoft.com/office/drawing/2014/main" id="{186AC173-5653-470D-8BF1-75E7164D9FEC}"/>
+              </a:ext>
+            </a:extLst>
+          </p:cNvPr>
+          <p:cNvSpPr>
+            <a:spLocks noGrp="1"/>
+          </p:cNvSpPr>
+          <p:nvPr>
+            <p:ph type="title"/>
+          </p:nvPr>
+        </p:nvSpPr>
+        <p:spPr/>
+        <p:txBody>
+          <a:bodyPr/>
+          <a:lstStyle/>
+          <a:p>
+            <a:r>
+              <a:rPr lang="ru-RU" b="1" dirty="0"/>
+              <a:t>Свертка</a:t>
+            </a:r>
+            <a:endParaRPr lang="en-US" b="1" dirty="0"/>
+          </a:p>
+        </p:txBody>
+      </p:sp>
+      <p:sp>
+        <p:nvSpPr>
+          <p:cNvPr id="16" name="Slide Number Placeholder 15">
+            <a:extLst>
+              <a:ext uri="{FF2B5EF4-FFF2-40B4-BE49-F238E27FC236}">
+                <a16:creationId xmlns:a16="http://schemas.microsoft.com/office/drawing/2014/main" id="{0B7A6653-8DED-4E65-807F-040D5E23E686}"/>
+              </a:ext>
+            </a:extLst>
+          </p:cNvPr>
+          <p:cNvSpPr>
+            <a:spLocks noGrp="1"/>
+          </p:cNvSpPr>
+          <p:nvPr>
+            <p:ph type="sldNum" sz="quarter" idx="12"/>
+          </p:nvPr>
+        </p:nvSpPr>
+        <p:spPr/>
+        <p:txBody>
+          <a:bodyPr/>
+          <a:lstStyle/>
+          <a:p>
+            <a:fld id="{BC74C5CC-9188-4C4F-A834-6270706D19E9}" type="slidenum">
+              <a:rPr lang="en-US" sz="1800" smtClean="0"/>
+              <a:t>6</a:t>
+            </a:fld>
+            <a:r>
+              <a:rPr lang="en-US" sz="1800" dirty="0"/>
+              <a:t> / 12</a:t>
+            </a:r>
+          </a:p>
+        </p:txBody>
+      </p:sp>
+      <p:pic>
+        <p:nvPicPr>
+          <p:cNvPr id="5" name="Рисунок 4">
+            <a:extLst>
+              <a:ext uri="{FF2B5EF4-FFF2-40B4-BE49-F238E27FC236}">
+                <a16:creationId xmlns:a16="http://schemas.microsoft.com/office/drawing/2014/main" id="{6C58C816-2748-D337-93C4-A2FBB5CD995C}"/>
+              </a:ext>
+            </a:extLst>
+          </p:cNvPr>
+          <p:cNvPicPr>
+            <a:picLocks noChangeAspect="1"/>
+          </p:cNvPicPr>
+          <p:nvPr/>
+        </p:nvPicPr>
+        <p:blipFill>
+          <a:blip r:embed="rId3"/>
+          <a:stretch>
+            <a:fillRect/>
+          </a:stretch>
+        </p:blipFill>
+        <p:spPr>
+          <a:xfrm>
+            <a:off x="3407812" y="1458849"/>
+            <a:ext cx="5376376" cy="3940302"/>
+          </a:xfrm>
+          <a:prstGeom prst="rect">
+            <a:avLst/>
+          </a:prstGeom>
+        </p:spPr>
+      </p:pic>
+      <p:sp>
+        <p:nvSpPr>
+          <p:cNvPr id="8" name="TextBox 7">
+            <a:extLst>
+              <a:ext uri="{FF2B5EF4-FFF2-40B4-BE49-F238E27FC236}">
+                <a16:creationId xmlns:a16="http://schemas.microsoft.com/office/drawing/2014/main" id="{29ABB581-3F72-6EC3-D1C8-F3960D3595F7}"/>
+              </a:ext>
+            </a:extLst>
+          </p:cNvPr>
+          <p:cNvSpPr txBox="1"/>
+          <p:nvPr/>
+        </p:nvSpPr>
+        <p:spPr>
+          <a:xfrm>
+            <a:off x="2873502" y="5287358"/>
+            <a:ext cx="6094476" cy="873572"/>
+          </a:xfrm>
+          <a:prstGeom prst="rect">
+            <a:avLst/>
+          </a:prstGeom>
+          <a:noFill/>
+        </p:spPr>
+        <p:txBody>
+          <a:bodyPr wrap="square">
+            <a:spAutoFit/>
+          </a:bodyPr>
+          <a:lstStyle/>
+          <a:p>
+            <a:pPr indent="450215" algn="ctr">
+              <a:lnSpc>
+                <a:spcPct val="150000"/>
+              </a:lnSpc>
+              <a:spcAft>
+                <a:spcPts val="800"/>
+              </a:spcAft>
+            </a:pPr>
+            <a:r>
+              <a:rPr lang="ru-RU" sz="1800" dirty="0">
+                <a:effectLst/>
+                <a:latin typeface="Times New Roman" panose="02020603050405020304" pitchFamily="18" charset="0"/>
+                <a:ea typeface="Calibri" panose="020F0502020204030204" pitchFamily="34" charset="0"/>
+                <a:cs typeface="Times New Roman" panose="02020603050405020304" pitchFamily="18" charset="0"/>
+              </a:rPr>
+              <a:t>Рис. 5 Свертка изображения 5х5х1 с фильтром 3х3х1 для получения признака 3х3х1</a:t>
+            </a:r>
+          </a:p>
+        </p:txBody>
+      </p:sp>
+    </p:spTree>
+    <p:extLst>
+      <p:ext uri="{BB962C8B-B14F-4D97-AF65-F5344CB8AC3E}">
+        <p14:creationId xmlns:p14="http://schemas.microsoft.com/office/powerpoint/2010/main" val="2621756603"/>
+      </p:ext>
+    </p:extLst>
+  </p:cSld>
+  <p:clrMapOvr>
+    <a:masterClrMapping/>
+  </p:clrMapOvr>
+  <mc:AlternateContent xmlns:mc="http://schemas.openxmlformats.org/markup-compatibility/2006">
+    <mc:Choice xmlns:p14="http://schemas.microsoft.com/office/powerpoint/2010/main" Requires="p14">
+      <p:transition spd="slow" p14:dur="1300">
+        <p14:pan dir="u"/>
+      </p:transition>
+    </mc:Choice>
+    <mc:Fallback>
+      <p:transition spd="slow">
+        <p:fade/>
+      </p:transition>
+    </mc:Fallback>
+  </mc:AlternateContent>
+</p:sld>
+</file>
+
+<file path=ppt/slides/slide7.xml><?xml version="1.0" encoding="utf-8"?>
+<p:sld xmlns:a="http://schemas.openxmlformats.org/drawingml/2006/main" xmlns:r="http://schemas.openxmlformats.org/officeDocument/2006/relationships" xmlns:p="http://schemas.openxmlformats.org/presentationml/2006/main">
+  <p:cSld>
+    <p:spTree>
+      <p:nvGrpSpPr>
+        <p:cNvPr id="1" name=""/>
+        <p:cNvGrpSpPr/>
+        <p:nvPr/>
+      </p:nvGrpSpPr>
+      <p:grpSpPr>
+        <a:xfrm>
+          <a:off x="0" y="0"/>
+          <a:ext cx="0" cy="0"/>
+          <a:chOff x="0" y="0"/>
+          <a:chExt cx="0" cy="0"/>
+        </a:xfrm>
+      </p:grpSpPr>
+      <p:sp>
+        <p:nvSpPr>
+          <p:cNvPr id="2" name="Title 1">
+            <a:extLst>
+              <a:ext uri="{FF2B5EF4-FFF2-40B4-BE49-F238E27FC236}">
+                <a16:creationId xmlns:a16="http://schemas.microsoft.com/office/drawing/2014/main" id="{D54BE97C-5462-4637-9393-C9BDF7B8964F}"/>
+              </a:ext>
+            </a:extLst>
+          </p:cNvPr>
+          <p:cNvSpPr>
+            <a:spLocks noGrp="1"/>
+          </p:cNvSpPr>
+          <p:nvPr>
+            <p:ph type="title"/>
+          </p:nvPr>
+        </p:nvSpPr>
+        <p:spPr/>
+        <p:txBody>
+          <a:bodyPr/>
+          <a:lstStyle/>
+          <a:p>
+            <a:r>
+              <a:rPr lang="ru-RU" b="1" dirty="0"/>
+              <a:t>Слой подвыборки (пулинга)</a:t>
+            </a:r>
+            <a:endParaRPr lang="en-US" b="1" dirty="0"/>
+          </a:p>
+        </p:txBody>
+      </p:sp>
+      <p:sp>
+        <p:nvSpPr>
+          <p:cNvPr id="10" name="Slide Number Placeholder 9">
+            <a:extLst>
+              <a:ext uri="{FF2B5EF4-FFF2-40B4-BE49-F238E27FC236}">
+                <a16:creationId xmlns:a16="http://schemas.microsoft.com/office/drawing/2014/main" id="{6B25B59C-CB85-4137-9EE0-243F99F30AA6}"/>
+              </a:ext>
+            </a:extLst>
+          </p:cNvPr>
+          <p:cNvSpPr>
+            <a:spLocks noGrp="1"/>
+          </p:cNvSpPr>
+          <p:nvPr>
+            <p:ph type="sldNum" sz="quarter" idx="12"/>
+          </p:nvPr>
+        </p:nvSpPr>
+        <p:spPr/>
+        <p:txBody>
+          <a:bodyPr/>
+          <a:lstStyle/>
+          <a:p>
+            <a:fld id="{54320921-3B40-48F9-9480-72E41177CE63}" type="slidenum">
+              <a:rPr lang="en-US" sz="1800" smtClean="0"/>
+              <a:t>7</a:t>
+            </a:fld>
+            <a:r>
+              <a:rPr lang="en-US" sz="1800" dirty="0"/>
+              <a:t> / 12</a:t>
+            </a:r>
+          </a:p>
+        </p:txBody>
+      </p:sp>
+      <p:pic>
+        <p:nvPicPr>
+          <p:cNvPr id="6" name="Рисунок 5">
+            <a:extLst>
+              <a:ext uri="{FF2B5EF4-FFF2-40B4-BE49-F238E27FC236}">
+                <a16:creationId xmlns:a16="http://schemas.microsoft.com/office/drawing/2014/main" id="{65EF2B72-3C41-3250-F656-E0885E4B56DC}"/>
+              </a:ext>
+            </a:extLst>
+          </p:cNvPr>
+          <p:cNvPicPr>
+            <a:picLocks noChangeAspect="1"/>
+          </p:cNvPicPr>
+          <p:nvPr/>
+        </p:nvPicPr>
+        <p:blipFill>
+          <a:blip r:embed="rId3"/>
+          <a:stretch>
+            <a:fillRect/>
+          </a:stretch>
+        </p:blipFill>
+        <p:spPr>
+          <a:xfrm>
+            <a:off x="2296148" y="1823021"/>
+            <a:ext cx="7599704" cy="3211957"/>
+          </a:xfrm>
+          <a:prstGeom prst="rect">
+            <a:avLst/>
+          </a:prstGeom>
+        </p:spPr>
+      </p:pic>
+      <p:sp>
+        <p:nvSpPr>
+          <p:cNvPr id="13" name="TextBox 12">
+            <a:extLst>
+              <a:ext uri="{FF2B5EF4-FFF2-40B4-BE49-F238E27FC236}">
+                <a16:creationId xmlns:a16="http://schemas.microsoft.com/office/drawing/2014/main" id="{1F358BE4-DF38-F6F5-9DF3-596C4E69044C}"/>
+              </a:ext>
+            </a:extLst>
+          </p:cNvPr>
+          <p:cNvSpPr txBox="1"/>
+          <p:nvPr/>
+        </p:nvSpPr>
+        <p:spPr>
+          <a:xfrm>
+            <a:off x="2872549" y="5034978"/>
+            <a:ext cx="6094476" cy="458074"/>
+          </a:xfrm>
+          <a:prstGeom prst="rect">
+            <a:avLst/>
+          </a:prstGeom>
+          <a:noFill/>
+        </p:spPr>
+        <p:txBody>
+          <a:bodyPr wrap="square">
+            <a:spAutoFit/>
+          </a:bodyPr>
+          <a:lstStyle/>
+          <a:p>
+            <a:pPr indent="450215" algn="ctr">
+              <a:lnSpc>
+                <a:spcPct val="150000"/>
+              </a:lnSpc>
+              <a:spcAft>
+                <a:spcPts val="800"/>
+              </a:spcAft>
+            </a:pPr>
+            <a:r>
+              <a:rPr lang="ru-RU" sz="1800" dirty="0">
+                <a:effectLst/>
+                <a:latin typeface="Times New Roman" panose="02020603050405020304" pitchFamily="18" charset="0"/>
+                <a:ea typeface="Calibri" panose="020F0502020204030204" pitchFamily="34" charset="0"/>
+                <a:cs typeface="Times New Roman" panose="02020603050405020304" pitchFamily="18" charset="0"/>
+              </a:rPr>
+              <a:t>Рис. 6 Преобразования слоя подвыборки</a:t>
+            </a:r>
+          </a:p>
+        </p:txBody>
+      </p:sp>
+    </p:spTree>
+    <p:extLst>
+      <p:ext uri="{BB962C8B-B14F-4D97-AF65-F5344CB8AC3E}">
+        <p14:creationId xmlns:p14="http://schemas.microsoft.com/office/powerpoint/2010/main" val="4117647545"/>
+      </p:ext>
+    </p:extLst>
+  </p:cSld>
+  <p:clrMapOvr>
+    <a:masterClrMapping/>
+  </p:clrMapOvr>
+  <mc:AlternateContent xmlns:mc="http://schemas.openxmlformats.org/markup-compatibility/2006">
+    <mc:Choice xmlns:p14="http://schemas.microsoft.com/office/powerpoint/2010/main" Requires="p14">
+      <p:transition spd="slow" p14:dur="1300">
+        <p14:pan dir="u"/>
+      </p:transition>
+    </mc:Choice>
+    <mc:Fallback>
+      <p:transition spd="slow">
+        <p:fade/>
+      </p:transition>
+    </mc:Fallback>
+  </mc:AlternateContent>
+</p:sld>
+</file>
+
+<file path=ppt/slides/slide8.xml><?xml version="1.0" encoding="utf-8"?>
+<p:sld xmlns:a="http://schemas.openxmlformats.org/drawingml/2006/main" xmlns:r="http://schemas.openxmlformats.org/officeDocument/2006/relationships" xmlns:p="http://schemas.openxmlformats.org/presentationml/2006/main">
+  <p:cSld>
+    <p:spTree>
+      <p:nvGrpSpPr>
+        <p:cNvPr id="1" name=""/>
+        <p:cNvGrpSpPr/>
+        <p:nvPr/>
+      </p:nvGrpSpPr>
+      <p:grpSpPr>
+        <a:xfrm>
+          <a:off x="0" y="0"/>
+          <a:ext cx="0" cy="0"/>
+          <a:chOff x="0" y="0"/>
+          <a:chExt cx="0" cy="0"/>
+        </a:xfrm>
+      </p:grpSpPr>
+      <p:sp>
+        <p:nvSpPr>
+          <p:cNvPr id="2" name="Title 1">
+            <a:extLst>
+              <a:ext uri="{FF2B5EF4-FFF2-40B4-BE49-F238E27FC236}">
+                <a16:creationId xmlns:a16="http://schemas.microsoft.com/office/drawing/2014/main" id="{05509BF3-4858-4B3E-AC4B-7FFA40514466}"/>
+              </a:ext>
+            </a:extLst>
+          </p:cNvPr>
+          <p:cNvSpPr>
+            <a:spLocks noGrp="1"/>
+          </p:cNvSpPr>
+          <p:nvPr>
+            <p:ph type="title"/>
+          </p:nvPr>
+        </p:nvSpPr>
+        <p:spPr/>
+        <p:txBody>
+          <a:bodyPr/>
+          <a:lstStyle/>
+          <a:p>
+            <a:r>
+              <a:rPr lang="ru-RU" b="1" dirty="0"/>
+              <a:t>Собственная </a:t>
+            </a:r>
+            <a:r>
+              <a:rPr lang="en-US" b="1" dirty="0"/>
+              <a:t>CNN</a:t>
+            </a:r>
+          </a:p>
+        </p:txBody>
+      </p:sp>
+      <p:sp>
+        <p:nvSpPr>
+          <p:cNvPr id="8" name="Slide Number Placeholder 7">
+            <a:extLst>
+              <a:ext uri="{FF2B5EF4-FFF2-40B4-BE49-F238E27FC236}">
+                <a16:creationId xmlns:a16="http://schemas.microsoft.com/office/drawing/2014/main" id="{0383CB94-08A3-4208-B4C9-8FD56A78278D}"/>
+              </a:ext>
+            </a:extLst>
+          </p:cNvPr>
+          <p:cNvSpPr>
+            <a:spLocks noGrp="1"/>
+          </p:cNvSpPr>
+          <p:nvPr>
+            <p:ph type="sldNum" sz="quarter" idx="12"/>
+          </p:nvPr>
+        </p:nvSpPr>
+        <p:spPr/>
+        <p:txBody>
+          <a:bodyPr/>
+          <a:lstStyle/>
+          <a:p>
+            <a:fld id="{54320921-3B40-48F9-9480-72E41177CE63}" type="slidenum">
+              <a:rPr lang="en-US" sz="1800" smtClean="0"/>
+              <a:t>8</a:t>
+            </a:fld>
+            <a:r>
+              <a:rPr lang="en-US" sz="1800" dirty="0"/>
+              <a:t> / 12</a:t>
+            </a:r>
+          </a:p>
+        </p:txBody>
+      </p:sp>
+      <p:pic>
+        <p:nvPicPr>
+          <p:cNvPr id="9" name="Рисунок 8">
+            <a:extLst>
+              <a:ext uri="{FF2B5EF4-FFF2-40B4-BE49-F238E27FC236}">
+                <a16:creationId xmlns:a16="http://schemas.microsoft.com/office/drawing/2014/main" id="{AE3619DE-0072-B0B8-994D-23F51EFB9C17}"/>
+              </a:ext>
+            </a:extLst>
+          </p:cNvPr>
+          <p:cNvPicPr>
+            <a:picLocks noChangeAspect="1"/>
+          </p:cNvPicPr>
+          <p:nvPr/>
+        </p:nvPicPr>
+        <p:blipFill>
+          <a:blip r:embed="rId3">
+            <a:extLst>
+              <a:ext uri="{28A0092B-C50C-407E-A947-70E740481C1C}">
+                <a14:useLocalDpi xmlns:a14="http://schemas.microsoft.com/office/drawing/2010/main" val="0"/>
+              </a:ext>
+            </a:extLst>
+          </a:blip>
+          <a:srcRect/>
+          <a:stretch>
+            <a:fillRect/>
+          </a:stretch>
+        </p:blipFill>
+        <p:spPr bwMode="auto">
+          <a:xfrm>
+            <a:off x="827778" y="2215229"/>
+            <a:ext cx="10536444" cy="2427542"/>
+          </a:xfrm>
+          <a:prstGeom prst="rect">
+            <a:avLst/>
+          </a:prstGeom>
+          <a:noFill/>
+          <a:ln>
+            <a:noFill/>
+          </a:ln>
+        </p:spPr>
+      </p:pic>
+      <p:sp>
+        <p:nvSpPr>
+          <p:cNvPr id="11" name="TextBox 10">
+            <a:extLst>
+              <a:ext uri="{FF2B5EF4-FFF2-40B4-BE49-F238E27FC236}">
+                <a16:creationId xmlns:a16="http://schemas.microsoft.com/office/drawing/2014/main" id="{613CBECE-AEA7-8CD3-8287-609FFA3AFAD6}"/>
+              </a:ext>
+            </a:extLst>
+          </p:cNvPr>
+          <p:cNvSpPr txBox="1"/>
+          <p:nvPr/>
+        </p:nvSpPr>
+        <p:spPr>
+          <a:xfrm>
+            <a:off x="2809494" y="4642771"/>
+            <a:ext cx="6094476" cy="458074"/>
+          </a:xfrm>
+          <a:prstGeom prst="rect">
+            <a:avLst/>
+          </a:prstGeom>
+          <a:noFill/>
+        </p:spPr>
+        <p:txBody>
+          <a:bodyPr wrap="square">
+            <a:spAutoFit/>
+          </a:bodyPr>
+          <a:lstStyle/>
+          <a:p>
+            <a:pPr indent="450215" algn="ctr">
+              <a:lnSpc>
+                <a:spcPct val="150000"/>
+              </a:lnSpc>
+              <a:spcAft>
+                <a:spcPts val="800"/>
+              </a:spcAft>
+            </a:pPr>
+            <a:r>
+              <a:rPr lang="ru-RU" sz="1800" dirty="0">
+                <a:effectLst/>
+                <a:latin typeface="Times New Roman" panose="02020603050405020304" pitchFamily="18" charset="0"/>
+                <a:ea typeface="Calibri" panose="020F0502020204030204" pitchFamily="34" charset="0"/>
+                <a:cs typeface="Times New Roman" panose="02020603050405020304" pitchFamily="18" charset="0"/>
+              </a:rPr>
+              <a:t>Рис. 7 Архитектура НС</a:t>
+            </a:r>
+          </a:p>
+        </p:txBody>
+      </p:sp>
+    </p:spTree>
+    <p:extLst>
+      <p:ext uri="{BB962C8B-B14F-4D97-AF65-F5344CB8AC3E}">
+        <p14:creationId xmlns:p14="http://schemas.microsoft.com/office/powerpoint/2010/main" val="433620291"/>
+      </p:ext>
+    </p:extLst>
+  </p:cSld>
+  <p:clrMapOvr>
+    <a:masterClrMapping/>
+  </p:clrMapOvr>
+  <mc:AlternateContent xmlns:mc="http://schemas.openxmlformats.org/markup-compatibility/2006">
+    <mc:Choice xmlns:p14="http://schemas.microsoft.com/office/powerpoint/2010/main" Requires="p14">
+      <p:transition spd="slow" p14:dur="1300">
+        <p14:pan dir="u"/>
+      </p:transition>
+    </mc:Choice>
+    <mc:Fallback>
+      <p:transition spd="slow">
+        <p:fade/>
+      </p:transition>
+    </mc:Fallback>
+  </mc:AlternateContent>
+</p:sld>
+</file>
+
+<file path=ppt/slides/slide9.xml><?xml version="1.0" encoding="utf-8"?>
+<p:sld xmlns:a="http://schemas.openxmlformats.org/drawingml/2006/main" xmlns:r="http://schemas.openxmlformats.org/officeDocument/2006/relationships" xmlns:p="http://schemas.openxmlformats.org/presentationml/2006/main">
+  <p:cSld>
+    <p:spTree>
+      <p:nvGrpSpPr>
+        <p:cNvPr id="1" name=""/>
+        <p:cNvGrpSpPr/>
+        <p:nvPr/>
+      </p:nvGrpSpPr>
+      <p:grpSpPr>
+        <a:xfrm>
+          <a:off x="0" y="0"/>
+          <a:ext cx="0" cy="0"/>
+          <a:chOff x="0" y="0"/>
+          <a:chExt cx="0" cy="0"/>
+        </a:xfrm>
+      </p:grpSpPr>
+      <p:sp>
+        <p:nvSpPr>
+          <p:cNvPr id="2" name="Title 1">
+            <a:extLst>
+              <a:ext uri="{FF2B5EF4-FFF2-40B4-BE49-F238E27FC236}">
+                <a16:creationId xmlns:a16="http://schemas.microsoft.com/office/drawing/2014/main" id="{E4B4A955-39B8-43F8-822E-B994D3841D5F}"/>
+              </a:ext>
+            </a:extLst>
+          </p:cNvPr>
+          <p:cNvSpPr>
+            <a:spLocks noGrp="1"/>
+          </p:cNvSpPr>
+          <p:nvPr>
+            <p:ph type="title"/>
+          </p:nvPr>
+        </p:nvSpPr>
+        <p:spPr/>
+        <p:txBody>
+          <a:bodyPr/>
+          <a:lstStyle/>
+          <a:p>
+            <a:r>
+              <a:rPr lang="ru-RU" b="1" dirty="0"/>
+              <a:t>Работа с </a:t>
+            </a:r>
+            <a:r>
+              <a:rPr lang="ru-RU" b="1" dirty="0" err="1"/>
+              <a:t>yahoo</a:t>
+            </a:r>
+            <a:r>
+              <a:rPr lang="ru-RU" b="1" dirty="0"/>
+              <a:t> </a:t>
+            </a:r>
+            <a:r>
+              <a:rPr lang="ru-RU" b="1" dirty="0" err="1"/>
+              <a:t>finance</a:t>
+            </a:r>
+            <a:endParaRPr lang="en-US" b="1" dirty="0"/>
+          </a:p>
+        </p:txBody>
+      </p:sp>
+      <p:sp>
+        <p:nvSpPr>
+          <p:cNvPr id="4" name="Slide Number Placeholder 3">
+            <a:extLst>
+              <a:ext uri="{FF2B5EF4-FFF2-40B4-BE49-F238E27FC236}">
+                <a16:creationId xmlns:a16="http://schemas.microsoft.com/office/drawing/2014/main" id="{F8F3ABB6-0DD2-4484-B3B0-03E8B55DAE75}"/>
+              </a:ext>
+            </a:extLst>
+          </p:cNvPr>
+          <p:cNvSpPr>
+            <a:spLocks noGrp="1"/>
+          </p:cNvSpPr>
+          <p:nvPr>
+            <p:ph type="sldNum" sz="quarter" idx="12"/>
+          </p:nvPr>
+        </p:nvSpPr>
+        <p:spPr/>
+        <p:txBody>
+          <a:bodyPr/>
+          <a:lstStyle/>
+          <a:p>
+            <a:fld id="{54320921-3B40-48F9-9480-72E41177CE63}" type="slidenum">
+              <a:rPr lang="en-US" sz="1800" smtClean="0"/>
+              <a:t>9</a:t>
+            </a:fld>
+            <a:r>
+              <a:rPr lang="ru-RU" sz="1800" dirty="0"/>
+              <a:t> </a:t>
+            </a:r>
+            <a:r>
+              <a:rPr lang="en-US" sz="1800" dirty="0"/>
+              <a:t>/ 12</a:t>
+            </a:r>
+          </a:p>
+        </p:txBody>
+      </p:sp>
+      <p:pic>
+        <p:nvPicPr>
+          <p:cNvPr id="3" name="Рисунок 2">
+            <a:extLst>
+              <a:ext uri="{FF2B5EF4-FFF2-40B4-BE49-F238E27FC236}">
+                <a16:creationId xmlns:a16="http://schemas.microsoft.com/office/drawing/2014/main" id="{32BA263A-9DE5-F5BB-4667-4A605952443D}"/>
+              </a:ext>
+            </a:extLst>
+          </p:cNvPr>
+          <p:cNvPicPr>
+            <a:picLocks noChangeAspect="1"/>
+          </p:cNvPicPr>
+          <p:nvPr/>
+        </p:nvPicPr>
+        <p:blipFill>
+          <a:blip r:embed="rId3"/>
+          <a:stretch>
+            <a:fillRect/>
+          </a:stretch>
+        </p:blipFill>
+        <p:spPr>
+          <a:xfrm>
+            <a:off x="427998" y="2046680"/>
+            <a:ext cx="5376989" cy="2764639"/>
+          </a:xfrm>
+          <a:prstGeom prst="rect">
+            <a:avLst/>
+          </a:prstGeom>
+        </p:spPr>
+      </p:pic>
+      <p:pic>
+        <p:nvPicPr>
+          <p:cNvPr id="5" name="Рисунок 4">
+            <a:extLst>
+              <a:ext uri="{FF2B5EF4-FFF2-40B4-BE49-F238E27FC236}">
+                <a16:creationId xmlns:a16="http://schemas.microsoft.com/office/drawing/2014/main" id="{84216215-9753-9571-5479-2609F008FD4B}"/>
+              </a:ext>
+            </a:extLst>
+          </p:cNvPr>
+          <p:cNvPicPr>
+            <a:picLocks noChangeAspect="1"/>
+          </p:cNvPicPr>
+          <p:nvPr/>
+        </p:nvPicPr>
+        <p:blipFill>
+          <a:blip r:embed="rId4"/>
+          <a:stretch>
+            <a:fillRect/>
+          </a:stretch>
+        </p:blipFill>
+        <p:spPr>
+          <a:xfrm>
+            <a:off x="6387015" y="2046679"/>
+            <a:ext cx="5376988" cy="2764639"/>
+          </a:xfrm>
+          <a:prstGeom prst="rect">
+            <a:avLst/>
+          </a:prstGeom>
+        </p:spPr>
+      </p:pic>
+      <p:sp>
+        <p:nvSpPr>
+          <p:cNvPr id="12" name="TextBox 11">
+            <a:extLst>
+              <a:ext uri="{FF2B5EF4-FFF2-40B4-BE49-F238E27FC236}">
+                <a16:creationId xmlns:a16="http://schemas.microsoft.com/office/drawing/2014/main" id="{C3132D16-426B-DE3C-8D83-5DA6812EA633}"/>
+              </a:ext>
+            </a:extLst>
+          </p:cNvPr>
+          <p:cNvSpPr txBox="1"/>
+          <p:nvPr/>
+        </p:nvSpPr>
+        <p:spPr>
+          <a:xfrm>
+            <a:off x="838200" y="4982643"/>
+            <a:ext cx="6094476" cy="369332"/>
+          </a:xfrm>
+          <a:prstGeom prst="rect">
+            <a:avLst/>
+          </a:prstGeom>
+          <a:noFill/>
+        </p:spPr>
+        <p:txBody>
+          <a:bodyPr wrap="square">
+            <a:spAutoFit/>
+          </a:bodyPr>
+          <a:lstStyle/>
+          <a:p>
+            <a:r>
+              <a:rPr lang="ru-RU" dirty="0"/>
+              <a:t>Рисунок 8. Вид полученной таблицы датасета</a:t>
+            </a:r>
+          </a:p>
+        </p:txBody>
+      </p:sp>
+      <p:sp>
+        <p:nvSpPr>
+          <p:cNvPr id="18" name="TextBox 17">
+            <a:extLst>
+              <a:ext uri="{FF2B5EF4-FFF2-40B4-BE49-F238E27FC236}">
+                <a16:creationId xmlns:a16="http://schemas.microsoft.com/office/drawing/2014/main" id="{8D1F5DDA-1A29-4CFF-BC5A-5CCB330E4F07}"/>
+              </a:ext>
+            </a:extLst>
+          </p:cNvPr>
+          <p:cNvSpPr txBox="1"/>
+          <p:nvPr/>
+        </p:nvSpPr>
+        <p:spPr>
+          <a:xfrm>
+            <a:off x="6934962" y="4982642"/>
+            <a:ext cx="6094476" cy="369332"/>
+          </a:xfrm>
+          <a:prstGeom prst="rect">
+            <a:avLst/>
+          </a:prstGeom>
+          <a:noFill/>
+        </p:spPr>
+        <p:txBody>
+          <a:bodyPr wrap="square">
+            <a:spAutoFit/>
+          </a:bodyPr>
+          <a:lstStyle/>
+          <a:p>
+            <a:r>
+              <a:rPr lang="ru-RU" dirty="0"/>
+              <a:t>Рисунок 9. Итоговый вид таблицы датасета</a:t>
+            </a:r>
+          </a:p>
+        </p:txBody>
+      </p:sp>
+    </p:spTree>
+    <p:extLst>
+      <p:ext uri="{BB962C8B-B14F-4D97-AF65-F5344CB8AC3E}">
+        <p14:creationId xmlns:p14="http://schemas.microsoft.com/office/powerpoint/2010/main" val="1120390554"/>
+      </p:ext>
+    </p:extLst>
+  </p:cSld>
+  <p:clrMapOvr>
+    <a:masterClrMapping/>
+  </p:clrMapOvr>
+  <mc:AlternateContent xmlns:mc="http://schemas.openxmlformats.org/markup-compatibility/2006">
+    <mc:Choice xmlns:p14="http://schemas.microsoft.com/office/powerpoint/2010/main" Requires="p14">
+      <p:transition spd="slow" p14:dur="1300">
+        <p14:pan dir="u"/>
+      </p:transition>
+    </mc:Choice>
+    <mc:Fallback>
+      <p:transition spd="slow">
+        <p:fade/>
+      </p:transition>
+    </mc:Fallback>
+  </mc:AlternateContent>
 </p:sld>
 </file>
 
